--- a/Portifólio_Larissa.pptx
+++ b/Portifólio_Larissa.pptx
@@ -1,35 +1,42 @@
 
 <file path=ppt/presentation.xml><?xml version="1.0" encoding="utf-8"?>
-<p:presentation xmlns:a="http://schemas.openxmlformats.org/drawingml/2006/main" xmlns:r="http://schemas.openxmlformats.org/officeDocument/2006/relationships" xmlns:p="http://schemas.openxmlformats.org/presentationml/2006/main" saveSubsetFonts="1" embedTrueTypeFonts="true">
+<p:presentation xmlns:a="http://schemas.openxmlformats.org/drawingml/2006/main" xmlns:r="http://schemas.openxmlformats.org/officeDocument/2006/relationships" xmlns:p="http://schemas.openxmlformats.org/presentationml/2006/main" embedTrueTypeFonts="1" saveSubsetFonts="1">
   <p:sldMasterIdLst>
     <p:sldMasterId id="2147483648" r:id="rId1"/>
   </p:sldMasterIdLst>
   <p:sldIdLst>
-    <p:sldId id="256" r:id="rId6"/>
-    <p:sldId id="257" r:id="rId7"/>
-    <p:sldId id="258" r:id="rId8"/>
-    <p:sldId id="259" r:id="rId9"/>
-    <p:sldId id="260" r:id="rId10"/>
-    <p:sldId id="261" r:id="rId11"/>
-    <p:sldId id="262" r:id="rId12"/>
+    <p:sldId id="256" r:id="rId2"/>
+    <p:sldId id="257" r:id="rId3"/>
+    <p:sldId id="258" r:id="rId4"/>
+    <p:sldId id="259" r:id="rId5"/>
+    <p:sldId id="260" r:id="rId6"/>
+    <p:sldId id="261" r:id="rId7"/>
+    <p:sldId id="262" r:id="rId8"/>
   </p:sldIdLst>
   <p:sldSz cx="18288000" cy="10287000"/>
   <p:notesSz cx="6858000" cy="9144000"/>
   <p:embeddedFontLst>
     <p:embeddedFont>
-      <p:font typeface="Bodoni FLF Bold Italics" charset="1" panose="02000803090000090003"/>
-      <p:regular r:id="rId13"/>
+      <p:font typeface="Bodoni FLF Bold Italics"/>
+      <p:regular r:id="rId9"/>
     </p:embeddedFont>
     <p:embeddedFont>
-      <p:font typeface="Lora Bold" charset="1" panose="00000800000000000000"/>
-      <p:regular r:id="rId14"/>
+      <p:font typeface="Lora Bold" charset="0"/>
+      <p:regular r:id="rId10"/>
     </p:embeddedFont>
     <p:embeddedFont>
-      <p:font typeface="Lora" charset="1" panose="00000500000000000000"/>
-      <p:regular r:id="rId15"/>
+      <p:font typeface="Lora" charset="0"/>
+      <p:regular r:id="rId11"/>
     </p:embeddedFont>
     <p:embeddedFont>
-      <p:font typeface="Archivo Black" charset="1" panose="020B0A03020202020B04"/>
+      <p:font typeface="Calibri" pitchFamily="34" charset="0"/>
+      <p:regular r:id="rId12"/>
+      <p:bold r:id="rId13"/>
+      <p:italic r:id="rId14"/>
+      <p:boldItalic r:id="rId15"/>
+    </p:embeddedFont>
+    <p:embeddedFont>
+      <p:font typeface="Archivo Black" charset="0"/>
       <p:regular r:id="rId16"/>
     </p:embeddedFont>
   </p:embeddedFontLst>
@@ -313,7 +320,7 @@
             <a:fld id="{1D8BD707-D9CF-40AE-B4C6-C98DA3205C09}" type="datetimeFigureOut">
               <a:rPr lang="en-US" smtClean="0"/>
               <a:pPr/>
-              <a:t>8/1/2011</a:t>
+              <a:t>4/1/2025</a:t>
             </a:fld>
             <a:endParaRPr lang="en-US"/>
           </a:p>
@@ -356,7 +363,7 @@
             <a:fld id="{B6F15528-21DE-4FAA-801E-634DDDAF4B2B}" type="slidenum">
               <a:rPr lang="en-US" smtClean="0"/>
               <a:pPr/>
-              <a:t>‹#›</a:t>
+              <a:t>‹nº›</a:t>
             </a:fld>
             <a:endParaRPr lang="en-US"/>
           </a:p>
@@ -480,7 +487,7 @@
             <a:fld id="{1D8BD707-D9CF-40AE-B4C6-C98DA3205C09}" type="datetimeFigureOut">
               <a:rPr lang="en-US" smtClean="0"/>
               <a:pPr/>
-              <a:t>8/1/2011</a:t>
+              <a:t>4/1/2025</a:t>
             </a:fld>
             <a:endParaRPr lang="en-US"/>
           </a:p>
@@ -523,7 +530,7 @@
             <a:fld id="{B6F15528-21DE-4FAA-801E-634DDDAF4B2B}" type="slidenum">
               <a:rPr lang="en-US" smtClean="0"/>
               <a:pPr/>
-              <a:t>‹#›</a:t>
+              <a:t>‹nº›</a:t>
             </a:fld>
             <a:endParaRPr lang="en-US"/>
           </a:p>
@@ -657,7 +664,7 @@
             <a:fld id="{1D8BD707-D9CF-40AE-B4C6-C98DA3205C09}" type="datetimeFigureOut">
               <a:rPr lang="en-US" smtClean="0"/>
               <a:pPr/>
-              <a:t>8/1/2011</a:t>
+              <a:t>4/1/2025</a:t>
             </a:fld>
             <a:endParaRPr lang="en-US"/>
           </a:p>
@@ -700,7 +707,7 @@
             <a:fld id="{B6F15528-21DE-4FAA-801E-634DDDAF4B2B}" type="slidenum">
               <a:rPr lang="en-US" smtClean="0"/>
               <a:pPr/>
-              <a:t>‹#›</a:t>
+              <a:t>‹nº›</a:t>
             </a:fld>
             <a:endParaRPr lang="en-US"/>
           </a:p>
@@ -824,7 +831,7 @@
             <a:fld id="{1D8BD707-D9CF-40AE-B4C6-C98DA3205C09}" type="datetimeFigureOut">
               <a:rPr lang="en-US" smtClean="0"/>
               <a:pPr/>
-              <a:t>8/1/2011</a:t>
+              <a:t>4/1/2025</a:t>
             </a:fld>
             <a:endParaRPr lang="en-US"/>
           </a:p>
@@ -867,7 +874,7 @@
             <a:fld id="{B6F15528-21DE-4FAA-801E-634DDDAF4B2B}" type="slidenum">
               <a:rPr lang="en-US" smtClean="0"/>
               <a:pPr/>
-              <a:t>‹#›</a:t>
+              <a:t>‹nº›</a:t>
             </a:fld>
             <a:endParaRPr lang="en-US"/>
           </a:p>
@@ -1067,7 +1074,7 @@
             <a:fld id="{1D8BD707-D9CF-40AE-B4C6-C98DA3205C09}" type="datetimeFigureOut">
               <a:rPr lang="en-US" smtClean="0"/>
               <a:pPr/>
-              <a:t>8/1/2011</a:t>
+              <a:t>4/1/2025</a:t>
             </a:fld>
             <a:endParaRPr lang="en-US"/>
           </a:p>
@@ -1110,7 +1117,7 @@
             <a:fld id="{B6F15528-21DE-4FAA-801E-634DDDAF4B2B}" type="slidenum">
               <a:rPr lang="en-US" smtClean="0"/>
               <a:pPr/>
-              <a:t>‹#›</a:t>
+              <a:t>‹nº›</a:t>
             </a:fld>
             <a:endParaRPr lang="en-US"/>
           </a:p>
@@ -1352,7 +1359,7 @@
             <a:fld id="{1D8BD707-D9CF-40AE-B4C6-C98DA3205C09}" type="datetimeFigureOut">
               <a:rPr lang="en-US" smtClean="0"/>
               <a:pPr/>
-              <a:t>8/1/2011</a:t>
+              <a:t>4/1/2025</a:t>
             </a:fld>
             <a:endParaRPr lang="en-US"/>
           </a:p>
@@ -1395,7 +1402,7 @@
             <a:fld id="{B6F15528-21DE-4FAA-801E-634DDDAF4B2B}" type="slidenum">
               <a:rPr lang="en-US" smtClean="0"/>
               <a:pPr/>
-              <a:t>‹#›</a:t>
+              <a:t>‹nº›</a:t>
             </a:fld>
             <a:endParaRPr lang="en-US"/>
           </a:p>
@@ -1771,7 +1778,7 @@
             <a:fld id="{1D8BD707-D9CF-40AE-B4C6-C98DA3205C09}" type="datetimeFigureOut">
               <a:rPr lang="en-US" smtClean="0"/>
               <a:pPr/>
-              <a:t>8/1/2011</a:t>
+              <a:t>4/1/2025</a:t>
             </a:fld>
             <a:endParaRPr lang="en-US"/>
           </a:p>
@@ -1814,7 +1821,7 @@
             <a:fld id="{B6F15528-21DE-4FAA-801E-634DDDAF4B2B}" type="slidenum">
               <a:rPr lang="en-US" smtClean="0"/>
               <a:pPr/>
-              <a:t>‹#›</a:t>
+              <a:t>‹nº›</a:t>
             </a:fld>
             <a:endParaRPr lang="en-US"/>
           </a:p>
@@ -1886,7 +1893,7 @@
             <a:fld id="{1D8BD707-D9CF-40AE-B4C6-C98DA3205C09}" type="datetimeFigureOut">
               <a:rPr lang="en-US" smtClean="0"/>
               <a:pPr/>
-              <a:t>8/1/2011</a:t>
+              <a:t>4/1/2025</a:t>
             </a:fld>
             <a:endParaRPr lang="en-US"/>
           </a:p>
@@ -1929,7 +1936,7 @@
             <a:fld id="{B6F15528-21DE-4FAA-801E-634DDDAF4B2B}" type="slidenum">
               <a:rPr lang="en-US" smtClean="0"/>
               <a:pPr/>
-              <a:t>‹#›</a:t>
+              <a:t>‹nº›</a:t>
             </a:fld>
             <a:endParaRPr lang="en-US"/>
           </a:p>
@@ -1978,7 +1985,7 @@
             <a:fld id="{1D8BD707-D9CF-40AE-B4C6-C98DA3205C09}" type="datetimeFigureOut">
               <a:rPr lang="en-US" smtClean="0"/>
               <a:pPr/>
-              <a:t>8/1/2011</a:t>
+              <a:t>4/1/2025</a:t>
             </a:fld>
             <a:endParaRPr lang="en-US"/>
           </a:p>
@@ -2021,7 +2028,7 @@
             <a:fld id="{B6F15528-21DE-4FAA-801E-634DDDAF4B2B}" type="slidenum">
               <a:rPr lang="en-US" smtClean="0"/>
               <a:pPr/>
-              <a:t>‹#›</a:t>
+              <a:t>‹nº›</a:t>
             </a:fld>
             <a:endParaRPr lang="en-US"/>
           </a:p>
@@ -2252,7 +2259,7 @@
             <a:fld id="{1D8BD707-D9CF-40AE-B4C6-C98DA3205C09}" type="datetimeFigureOut">
               <a:rPr lang="en-US" smtClean="0"/>
               <a:pPr/>
-              <a:t>8/1/2011</a:t>
+              <a:t>4/1/2025</a:t>
             </a:fld>
             <a:endParaRPr lang="en-US"/>
           </a:p>
@@ -2295,7 +2302,7 @@
             <a:fld id="{B6F15528-21DE-4FAA-801E-634DDDAF4B2B}" type="slidenum">
               <a:rPr lang="en-US" smtClean="0"/>
               <a:pPr/>
-              <a:t>‹#›</a:t>
+              <a:t>‹nº›</a:t>
             </a:fld>
             <a:endParaRPr lang="en-US"/>
           </a:p>
@@ -2502,7 +2509,7 @@
             <a:fld id="{1D8BD707-D9CF-40AE-B4C6-C98DA3205C09}" type="datetimeFigureOut">
               <a:rPr lang="en-US" smtClean="0"/>
               <a:pPr/>
-              <a:t>8/1/2011</a:t>
+              <a:t>4/1/2025</a:t>
             </a:fld>
             <a:endParaRPr lang="en-US"/>
           </a:p>
@@ -2545,7 +2552,7 @@
             <a:fld id="{B6F15528-21DE-4FAA-801E-634DDDAF4B2B}" type="slidenum">
               <a:rPr lang="en-US" smtClean="0"/>
               <a:pPr/>
-              <a:t>‹#›</a:t>
+              <a:t>‹nº›</a:t>
             </a:fld>
             <a:endParaRPr lang="en-US"/>
           </a:p>
@@ -2712,7 +2719,7 @@
             <a:fld id="{1D8BD707-D9CF-40AE-B4C6-C98DA3205C09}" type="datetimeFigureOut">
               <a:rPr lang="en-US" smtClean="0"/>
               <a:pPr/>
-              <a:t>8/1/2011</a:t>
+              <a:t>4/1/2025</a:t>
             </a:fld>
             <a:endParaRPr lang="en-US"/>
           </a:p>
@@ -2791,7 +2798,7 @@
             <a:fld id="{B6F15528-21DE-4FAA-801E-634DDDAF4B2B}" type="slidenum">
               <a:rPr lang="en-US" smtClean="0"/>
               <a:pPr/>
-              <a:t>‹#›</a:t>
+              <a:t>‹nº›</a:t>
             </a:fld>
             <a:endParaRPr lang="en-US"/>
           </a:p>
@@ -3067,13 +3074,14 @@
 </file>
 
 <file path=ppt/slides/slide1.xml><?xml version="1.0" encoding="utf-8"?>
-<p:sld xmlns:p="http://schemas.openxmlformats.org/presentationml/2006/main" xmlns:a="http://schemas.openxmlformats.org/drawingml/2006/main" xmlns:r="http://schemas.openxmlformats.org/officeDocument/2006/relationships">
+<p:sld xmlns:a="http://schemas.openxmlformats.org/drawingml/2006/main" xmlns:r="http://schemas.openxmlformats.org/officeDocument/2006/relationships" xmlns:p="http://schemas.openxmlformats.org/presentationml/2006/main">
   <p:cSld>
     <p:bg>
       <p:bgPr>
         <a:solidFill>
           <a:srgbClr val="252525"/>
         </a:solidFill>
+        <a:effectLst/>
       </p:bgPr>
     </p:bg>
     <p:spTree>
@@ -3092,12 +3100,12 @@
       </p:grpSpPr>
       <p:sp>
         <p:nvSpPr>
-          <p:cNvPr name="Freeform 2" id="2"/>
+          <p:cNvPr id="2" name="Freeform 2"/>
           <p:cNvSpPr/>
           <p:nvPr/>
         </p:nvSpPr>
         <p:spPr>
-          <a:xfrm flipH="false" flipV="false" rot="0">
+          <a:xfrm>
             <a:off x="9005532" y="1028700"/>
             <a:ext cx="8229600" cy="8229600"/>
           </a:xfrm>
@@ -3106,9 +3114,9 @@
             <a:gdLst/>
             <a:ahLst/>
             <a:cxnLst/>
-            <a:rect r="r" b="b" t="t" l="l"/>
+            <a:rect l="l" t="t" r="r" b="b"/>
             <a:pathLst>
-              <a:path h="8229600" w="8229600">
+              <a:path w="8229600" h="8229600">
                 <a:moveTo>
                   <a:pt x="0" y="0"/>
                 </a:moveTo>
@@ -3129,21 +3137,21 @@
             </a:pathLst>
           </a:custGeom>
           <a:blipFill>
-            <a:blip r:embed="rId2"/>
+            <a:blip r:embed="rId2" cstate="print"/>
             <a:stretch>
-              <a:fillRect l="0" t="0" r="0" b="0"/>
+              <a:fillRect/>
             </a:stretch>
           </a:blipFill>
         </p:spPr>
       </p:sp>
       <p:grpSp>
         <p:nvGrpSpPr>
-          <p:cNvPr name="Group 3" id="3"/>
+          <p:cNvPr id="3" name="Group 3"/>
           <p:cNvGrpSpPr/>
           <p:nvPr/>
         </p:nvGrpSpPr>
         <p:grpSpPr>
-          <a:xfrm rot="0">
+          <a:xfrm>
             <a:off x="10998258" y="2838815"/>
             <a:ext cx="4426760" cy="4426760"/>
             <a:chOff x="0" y="0"/>
@@ -3152,12 +3160,12 @@
         </p:grpSpPr>
         <p:sp>
           <p:nvSpPr>
-            <p:cNvPr name="Freeform 4" id="4"/>
+            <p:cNvPr id="4" name="Freeform 4"/>
             <p:cNvSpPr/>
             <p:nvPr/>
           </p:nvSpPr>
           <p:spPr>
-            <a:xfrm flipH="false" flipV="false" rot="0">
+            <a:xfrm>
               <a:off x="0" y="0"/>
               <a:ext cx="812800" cy="812800"/>
             </a:xfrm>
@@ -3166,9 +3174,9 @@
               <a:gdLst/>
               <a:ahLst/>
               <a:cxnLst/>
-              <a:rect r="r" b="b" t="t" l="l"/>
+              <a:rect l="l" t="t" r="r" b="b"/>
               <a:pathLst>
-                <a:path h="812800" w="812800">
+                <a:path w="812800" h="812800">
                   <a:moveTo>
                     <a:pt x="406400" y="0"/>
                   </a:moveTo>
@@ -3197,9 +3205,9 @@
               </a:pathLst>
             </a:custGeom>
             <a:blipFill>
-              <a:blip r:embed="rId3"/>
+              <a:blip r:embed="rId3" cstate="print"/>
               <a:stretch>
-                <a:fillRect l="0" t="-16964" r="0" b="-16964"/>
+                <a:fillRect t="-16964" b="-16964"/>
               </a:stretch>
             </a:blipFill>
           </p:spPr>
@@ -3207,7 +3215,7 @@
       </p:grpSp>
       <p:sp>
         <p:nvSpPr>
-          <p:cNvPr name="AutoShape 5" id="5"/>
+          <p:cNvPr id="5" name="AutoShape 5"/>
           <p:cNvSpPr/>
           <p:nvPr/>
         </p:nvSpPr>
@@ -3219,19 +3227,19 @@
           <a:prstGeom prst="line">
             <a:avLst/>
           </a:prstGeom>
-          <a:ln cap="flat" w="28575">
+          <a:ln w="28575" cap="flat">
             <a:solidFill>
               <a:srgbClr val="FFFFFF"/>
             </a:solidFill>
             <a:prstDash val="solid"/>
-            <a:headEnd type="oval" len="lg" w="lg"/>
-            <a:tailEnd type="oval" len="lg" w="lg"/>
+            <a:headEnd type="oval" w="lg" len="lg"/>
+            <a:tailEnd type="oval" w="lg" len="lg"/>
           </a:ln>
         </p:spPr>
       </p:sp>
       <p:sp>
         <p:nvSpPr>
-          <p:cNvPr name="AutoShape 6" id="6"/>
+          <p:cNvPr id="6" name="AutoShape 6"/>
           <p:cNvSpPr/>
           <p:nvPr/>
         </p:nvSpPr>
@@ -3243,24 +3251,24 @@
           <a:prstGeom prst="line">
             <a:avLst/>
           </a:prstGeom>
-          <a:ln cap="flat" w="28575">
+          <a:ln w="28575" cap="flat">
             <a:solidFill>
               <a:srgbClr val="FFFFFF"/>
             </a:solidFill>
             <a:prstDash val="solid"/>
-            <a:headEnd type="oval" len="lg" w="lg"/>
-            <a:tailEnd type="oval" len="lg" w="lg"/>
+            <a:headEnd type="oval" w="lg" len="lg"/>
+            <a:tailEnd type="oval" w="lg" len="lg"/>
           </a:ln>
         </p:spPr>
       </p:sp>
       <p:sp>
         <p:nvSpPr>
-          <p:cNvPr name="TextBox 7" id="7"/>
-          <p:cNvSpPr txBox="true"/>
+          <p:cNvPr id="7" name="TextBox 7"/>
+          <p:cNvSpPr txBox="1"/>
           <p:nvPr/>
         </p:nvSpPr>
         <p:spPr>
-          <a:xfrm rot="0">
+          <a:xfrm>
             <a:off x="474156" y="4027438"/>
             <a:ext cx="8669844" cy="2354312"/>
           </a:xfrm>
@@ -3269,7 +3277,7 @@
           </a:prstGeom>
         </p:spPr>
         <p:txBody>
-          <a:bodyPr anchor="t" rtlCol="false" tIns="0" lIns="0" bIns="0" rIns="0">
+          <a:bodyPr lIns="0" tIns="0" rIns="0" bIns="0" rtlCol="0" anchor="t">
             <a:spAutoFit/>
           </a:bodyPr>
           <a:lstStyle/>
@@ -3280,7 +3288,7 @@
               </a:lnSpc>
             </a:pPr>
             <a:r>
-              <a:rPr lang="en-US" b="true" sz="10385" i="true" spc="103">
+              <a:rPr lang="en-US" sz="10385" b="1" i="1" spc="103">
                 <a:solidFill>
                   <a:srgbClr val="FFFFFF"/>
                 </a:solidFill>
@@ -3303,7 +3311,7 @@
 </file>
 
 <file path=ppt/slides/slide2.xml><?xml version="1.0" encoding="utf-8"?>
-<p:sld xmlns:p="http://schemas.openxmlformats.org/presentationml/2006/main" xmlns:a="http://schemas.openxmlformats.org/drawingml/2006/main" xmlns:r="http://schemas.openxmlformats.org/officeDocument/2006/relationships">
+<p:sld xmlns:a="http://schemas.openxmlformats.org/drawingml/2006/main" xmlns:r="http://schemas.openxmlformats.org/officeDocument/2006/relationships" xmlns:p="http://schemas.openxmlformats.org/presentationml/2006/main">
   <p:cSld>
     <p:spTree>
       <p:nvGrpSpPr>
@@ -3321,12 +3329,12 @@
       </p:grpSpPr>
       <p:sp>
         <p:nvSpPr>
-          <p:cNvPr name="Freeform 2" id="2"/>
+          <p:cNvPr id="2" name="Freeform 2"/>
           <p:cNvSpPr/>
           <p:nvPr/>
         </p:nvSpPr>
         <p:spPr>
-          <a:xfrm flipH="false" flipV="false" rot="0">
+          <a:xfrm>
             <a:off x="0" y="0"/>
             <a:ext cx="18288000" cy="10287000"/>
           </a:xfrm>
@@ -3335,9 +3343,9 @@
             <a:gdLst/>
             <a:ahLst/>
             <a:cxnLst/>
-            <a:rect r="r" b="b" t="t" l="l"/>
+            <a:rect l="l" t="t" r="r" b="b"/>
             <a:pathLst>
-              <a:path h="10287000" w="18288000">
+              <a:path w="18288000" h="10287000">
                 <a:moveTo>
                   <a:pt x="0" y="0"/>
                 </a:moveTo>
@@ -3358,21 +3366,21 @@
             </a:pathLst>
           </a:custGeom>
           <a:blipFill>
-            <a:blip r:embed="rId2"/>
+            <a:blip r:embed="rId2" cstate="print"/>
             <a:stretch>
-              <a:fillRect l="0" t="-9222" r="0" b="-9222"/>
+              <a:fillRect t="-9222" b="-9222"/>
             </a:stretch>
           </a:blipFill>
         </p:spPr>
       </p:sp>
       <p:sp>
         <p:nvSpPr>
-          <p:cNvPr name="Freeform 3" id="3"/>
+          <p:cNvPr id="3" name="Freeform 3"/>
           <p:cNvSpPr/>
           <p:nvPr/>
         </p:nvSpPr>
         <p:spPr>
-          <a:xfrm flipH="false" flipV="false" rot="0">
+          <a:xfrm>
             <a:off x="-116260" y="9316594"/>
             <a:ext cx="18404260" cy="1940813"/>
           </a:xfrm>
@@ -3381,9 +3389,9 @@
             <a:gdLst/>
             <a:ahLst/>
             <a:cxnLst/>
-            <a:rect r="r" b="b" t="t" l="l"/>
+            <a:rect l="l" t="t" r="r" b="b"/>
             <a:pathLst>
-              <a:path h="1940813" w="18404260">
+              <a:path w="18404260" h="1940813">
                 <a:moveTo>
                   <a:pt x="0" y="0"/>
                 </a:moveTo>
@@ -3404,22 +3412,22 @@
             </a:pathLst>
           </a:custGeom>
           <a:blipFill>
-            <a:blip r:embed="rId3">
+            <a:blip r:embed="rId3" cstate="print">
               <a:extLst>
                 <a:ext uri="{96DAC541-7B7A-43D3-8B79-37D633B846F1}">
-                  <asvg:svgBlip xmlns:asvg="http://schemas.microsoft.com/office/drawing/2016/SVG/main" r:embed="rId4"/>
+                  <asvg:svgBlip xmlns:asvg="http://schemas.microsoft.com/office/drawing/2016/SVG/main" xmlns="" r:embed="rId4"/>
                 </a:ext>
               </a:extLst>
             </a:blip>
             <a:stretch>
-              <a:fillRect l="0" t="0" r="0" b="0"/>
+              <a:fillRect/>
             </a:stretch>
           </a:blipFill>
         </p:spPr>
       </p:sp>
       <p:sp>
         <p:nvSpPr>
-          <p:cNvPr name="AutoShape 4" id="4"/>
+          <p:cNvPr id="4" name="AutoShape 4"/>
           <p:cNvSpPr/>
           <p:nvPr/>
         </p:nvSpPr>
@@ -3431,24 +3439,24 @@
           <a:prstGeom prst="line">
             <a:avLst/>
           </a:prstGeom>
-          <a:ln cap="flat" w="38100">
+          <a:ln w="38100" cap="flat">
             <a:solidFill>
               <a:srgbClr val="252525"/>
             </a:solidFill>
             <a:prstDash val="solid"/>
-            <a:headEnd type="oval" len="lg" w="lg"/>
-            <a:tailEnd type="oval" len="lg" w="lg"/>
+            <a:headEnd type="oval" w="lg" len="lg"/>
+            <a:tailEnd type="oval" w="lg" len="lg"/>
           </a:ln>
         </p:spPr>
       </p:sp>
       <p:sp>
         <p:nvSpPr>
-          <p:cNvPr name="Freeform 5" id="5"/>
+          <p:cNvPr id="5" name="Freeform 5"/>
           <p:cNvSpPr/>
           <p:nvPr/>
         </p:nvSpPr>
         <p:spPr>
-          <a:xfrm flipH="false" flipV="false" rot="0">
+          <a:xfrm>
             <a:off x="1028700" y="920766"/>
             <a:ext cx="906317" cy="215868"/>
           </a:xfrm>
@@ -3457,9 +3465,9 @@
             <a:gdLst/>
             <a:ahLst/>
             <a:cxnLst/>
-            <a:rect r="r" b="b" t="t" l="l"/>
+            <a:rect l="l" t="t" r="r" b="b"/>
             <a:pathLst>
-              <a:path h="215868" w="906317">
+              <a:path w="906317" h="215868">
                 <a:moveTo>
                   <a:pt x="0" y="0"/>
                 </a:moveTo>
@@ -3480,27 +3488,27 @@
             </a:pathLst>
           </a:custGeom>
           <a:blipFill>
-            <a:blip r:embed="rId5">
+            <a:blip r:embed="rId5" cstate="print">
               <a:extLst>
                 <a:ext uri="{96DAC541-7B7A-43D3-8B79-37D633B846F1}">
-                  <asvg:svgBlip xmlns:asvg="http://schemas.microsoft.com/office/drawing/2016/SVG/main" r:embed="rId6"/>
+                  <asvg:svgBlip xmlns:asvg="http://schemas.microsoft.com/office/drawing/2016/SVG/main" xmlns="" r:embed="rId6"/>
                 </a:ext>
               </a:extLst>
             </a:blip>
             <a:stretch>
-              <a:fillRect l="0" t="0" r="0" b="0"/>
+              <a:fillRect/>
             </a:stretch>
           </a:blipFill>
         </p:spPr>
       </p:sp>
       <p:sp>
         <p:nvSpPr>
-          <p:cNvPr name="TextBox 6" id="6"/>
-          <p:cNvSpPr txBox="true"/>
+          <p:cNvPr id="6" name="TextBox 6"/>
+          <p:cNvSpPr txBox="1"/>
           <p:nvPr/>
         </p:nvSpPr>
         <p:spPr>
-          <a:xfrm rot="0">
+          <a:xfrm>
             <a:off x="343908" y="1499411"/>
             <a:ext cx="6812403" cy="963295"/>
           </a:xfrm>
@@ -3509,7 +3517,7 @@
           </a:prstGeom>
         </p:spPr>
         <p:txBody>
-          <a:bodyPr anchor="t" rtlCol="false" tIns="0" lIns="0" bIns="0" rIns="0">
+          <a:bodyPr lIns="0" tIns="0" rIns="0" bIns="0" rtlCol="0" anchor="t">
             <a:spAutoFit/>
           </a:bodyPr>
           <a:lstStyle/>
@@ -3520,7 +3528,7 @@
               </a:lnSpc>
             </a:pPr>
             <a:r>
-              <a:rPr lang="en-US" b="true" sz="6999" spc="174">
+              <a:rPr lang="en-US" sz="6999" b="1" spc="174">
                 <a:solidFill>
                   <a:srgbClr val="000000"/>
                 </a:solidFill>
@@ -3536,12 +3544,12 @@
       </p:sp>
       <p:sp>
         <p:nvSpPr>
-          <p:cNvPr name="TextBox 7" id="7"/>
-          <p:cNvSpPr txBox="true"/>
+          <p:cNvPr id="7" name="TextBox 7"/>
+          <p:cNvSpPr txBox="1"/>
           <p:nvPr/>
         </p:nvSpPr>
         <p:spPr>
-          <a:xfrm rot="0">
+          <a:xfrm>
             <a:off x="2291194" y="2911294"/>
             <a:ext cx="13705612" cy="5245608"/>
           </a:xfrm>
@@ -3550,7 +3558,7 @@
           </a:prstGeom>
         </p:spPr>
         <p:txBody>
-          <a:bodyPr anchor="t" rtlCol="false" tIns="0" lIns="0" bIns="0" rIns="0">
+          <a:bodyPr lIns="0" tIns="0" rIns="0" bIns="0" rtlCol="0" anchor="t">
             <a:spAutoFit/>
           </a:bodyPr>
           <a:lstStyle/>
@@ -3617,6 +3625,7 @@
                 <a:spcPts val="3852"/>
               </a:lnSpc>
             </a:pPr>
+            <a:endParaRPr/>
           </a:p>
         </p:txBody>
       </p:sp>
@@ -3629,7 +3638,7 @@
 </file>
 
 <file path=ppt/slides/slide3.xml><?xml version="1.0" encoding="utf-8"?>
-<p:sld xmlns:p="http://schemas.openxmlformats.org/presentationml/2006/main" xmlns:a="http://schemas.openxmlformats.org/drawingml/2006/main" xmlns:r="http://schemas.openxmlformats.org/officeDocument/2006/relationships">
+<p:sld xmlns:a="http://schemas.openxmlformats.org/drawingml/2006/main" xmlns:r="http://schemas.openxmlformats.org/officeDocument/2006/relationships" xmlns:p="http://schemas.openxmlformats.org/presentationml/2006/main">
   <p:cSld>
     <p:spTree>
       <p:nvGrpSpPr>
@@ -3647,12 +3656,12 @@
       </p:grpSpPr>
       <p:sp>
         <p:nvSpPr>
-          <p:cNvPr name="Freeform 2" id="2"/>
+          <p:cNvPr id="2" name="Freeform 2"/>
           <p:cNvSpPr/>
           <p:nvPr/>
         </p:nvSpPr>
         <p:spPr>
-          <a:xfrm flipH="false" flipV="false" rot="0">
+          <a:xfrm>
             <a:off x="0" y="0"/>
             <a:ext cx="18288000" cy="10287000"/>
           </a:xfrm>
@@ -3661,9 +3670,9 @@
             <a:gdLst/>
             <a:ahLst/>
             <a:cxnLst/>
-            <a:rect r="r" b="b" t="t" l="l"/>
+            <a:rect l="l" t="t" r="r" b="b"/>
             <a:pathLst>
-              <a:path h="10287000" w="18288000">
+              <a:path w="18288000" h="10287000">
                 <a:moveTo>
                   <a:pt x="0" y="0"/>
                 </a:moveTo>
@@ -3684,21 +3693,21 @@
             </a:pathLst>
           </a:custGeom>
           <a:blipFill>
-            <a:blip r:embed="rId2"/>
+            <a:blip r:embed="rId2" cstate="print"/>
             <a:stretch>
-              <a:fillRect l="0" t="-9222" r="0" b="-9222"/>
+              <a:fillRect t="-9222" b="-9222"/>
             </a:stretch>
           </a:blipFill>
         </p:spPr>
       </p:sp>
       <p:sp>
         <p:nvSpPr>
-          <p:cNvPr name="Freeform 3" id="3"/>
+          <p:cNvPr id="3" name="Freeform 3"/>
           <p:cNvSpPr/>
           <p:nvPr/>
         </p:nvSpPr>
         <p:spPr>
-          <a:xfrm flipH="false" flipV="false" rot="0">
+          <a:xfrm>
             <a:off x="10800814" y="1028700"/>
             <a:ext cx="6621639" cy="6621639"/>
           </a:xfrm>
@@ -3707,9 +3716,9 @@
             <a:gdLst/>
             <a:ahLst/>
             <a:cxnLst/>
-            <a:rect r="r" b="b" t="t" l="l"/>
+            <a:rect l="l" t="t" r="r" b="b"/>
             <a:pathLst>
-              <a:path h="6621639" w="6621639">
+              <a:path w="6621639" h="6621639">
                 <a:moveTo>
                   <a:pt x="0" y="0"/>
                 </a:moveTo>
@@ -3730,21 +3739,21 @@
             </a:pathLst>
           </a:custGeom>
           <a:blipFill>
-            <a:blip r:embed="rId3"/>
+            <a:blip r:embed="rId3" cstate="print"/>
             <a:stretch>
-              <a:fillRect l="0" t="0" r="0" b="0"/>
+              <a:fillRect/>
             </a:stretch>
           </a:blipFill>
         </p:spPr>
       </p:sp>
       <p:grpSp>
         <p:nvGrpSpPr>
-          <p:cNvPr name="Group 4" id="4"/>
+          <p:cNvPr id="4" name="Group 4"/>
           <p:cNvGrpSpPr/>
           <p:nvPr/>
         </p:nvGrpSpPr>
         <p:grpSpPr>
-          <a:xfrm rot="0">
+          <a:xfrm>
             <a:off x="11745514" y="1973400"/>
             <a:ext cx="4732239" cy="4732239"/>
             <a:chOff x="0" y="0"/>
@@ -3753,12 +3762,12 @@
         </p:grpSpPr>
         <p:sp>
           <p:nvSpPr>
-            <p:cNvPr name="Freeform 5" id="5"/>
+            <p:cNvPr id="5" name="Freeform 5"/>
             <p:cNvSpPr/>
             <p:nvPr/>
           </p:nvSpPr>
           <p:spPr>
-            <a:xfrm flipH="false" flipV="false" rot="0">
+            <a:xfrm>
               <a:off x="0" y="0"/>
               <a:ext cx="812800" cy="812800"/>
             </a:xfrm>
@@ -3767,9 +3776,9 @@
               <a:gdLst/>
               <a:ahLst/>
               <a:cxnLst/>
-              <a:rect r="r" b="b" t="t" l="l"/>
+              <a:rect l="l" t="t" r="r" b="b"/>
               <a:pathLst>
-                <a:path h="812800" w="812800">
+                <a:path w="812800" h="812800">
                   <a:moveTo>
                     <a:pt x="406400" y="0"/>
                   </a:moveTo>
@@ -3798,9 +3807,9 @@
               </a:pathLst>
             </a:custGeom>
             <a:blipFill>
-              <a:blip r:embed="rId4"/>
+              <a:blip r:embed="rId4" cstate="print"/>
               <a:stretch>
-                <a:fillRect l="-25136" t="0" r="-25136" b="0"/>
+                <a:fillRect l="-25136" r="-25136"/>
               </a:stretch>
             </a:blipFill>
           </p:spPr>
@@ -3808,12 +3817,12 @@
       </p:grpSp>
       <p:sp>
         <p:nvSpPr>
-          <p:cNvPr name="Freeform 6" id="6"/>
+          <p:cNvPr id="6" name="Freeform 6"/>
           <p:cNvSpPr/>
           <p:nvPr/>
         </p:nvSpPr>
         <p:spPr>
-          <a:xfrm flipH="false" flipV="false" rot="0">
+          <a:xfrm>
             <a:off x="10450723" y="4797055"/>
             <a:ext cx="4054455" cy="4054455"/>
           </a:xfrm>
@@ -3822,9 +3831,9 @@
             <a:gdLst/>
             <a:ahLst/>
             <a:cxnLst/>
-            <a:rect r="r" b="b" t="t" l="l"/>
+            <a:rect l="l" t="t" r="r" b="b"/>
             <a:pathLst>
-              <a:path h="4054455" w="4054455">
+              <a:path w="4054455" h="4054455">
                 <a:moveTo>
                   <a:pt x="0" y="0"/>
                 </a:moveTo>
@@ -3845,21 +3854,21 @@
             </a:pathLst>
           </a:custGeom>
           <a:blipFill>
-            <a:blip r:embed="rId3"/>
+            <a:blip r:embed="rId5" cstate="print"/>
             <a:stretch>
-              <a:fillRect l="0" t="0" r="0" b="0"/>
+              <a:fillRect/>
             </a:stretch>
           </a:blipFill>
         </p:spPr>
       </p:sp>
       <p:grpSp>
         <p:nvGrpSpPr>
-          <p:cNvPr name="Group 7" id="7"/>
+          <p:cNvPr id="7" name="Group 7"/>
           <p:cNvGrpSpPr/>
           <p:nvPr/>
         </p:nvGrpSpPr>
         <p:grpSpPr>
-          <a:xfrm rot="0">
+          <a:xfrm>
             <a:off x="11029166" y="5375499"/>
             <a:ext cx="2897568" cy="2897568"/>
             <a:chOff x="0" y="0"/>
@@ -3868,12 +3877,12 @@
         </p:grpSpPr>
         <p:sp>
           <p:nvSpPr>
-            <p:cNvPr name="Freeform 8" id="8"/>
+            <p:cNvPr id="8" name="Freeform 8"/>
             <p:cNvSpPr/>
             <p:nvPr/>
           </p:nvSpPr>
           <p:spPr>
-            <a:xfrm flipH="false" flipV="false" rot="0">
+            <a:xfrm>
               <a:off x="0" y="0"/>
               <a:ext cx="812800" cy="812800"/>
             </a:xfrm>
@@ -3882,9 +3891,9 @@
               <a:gdLst/>
               <a:ahLst/>
               <a:cxnLst/>
-              <a:rect r="r" b="b" t="t" l="l"/>
+              <a:rect l="l" t="t" r="r" b="b"/>
               <a:pathLst>
-                <a:path h="812800" w="812800">
+                <a:path w="812800" h="812800">
                   <a:moveTo>
                     <a:pt x="406400" y="0"/>
                   </a:moveTo>
@@ -3913,9 +3922,9 @@
               </a:pathLst>
             </a:custGeom>
             <a:blipFill>
-              <a:blip r:embed="rId5"/>
+              <a:blip r:embed="rId6" cstate="print"/>
               <a:stretch>
-                <a:fillRect l="0" t="-25757" r="0" b="-25757"/>
+                <a:fillRect t="-25757" b="-25757"/>
               </a:stretch>
             </a:blipFill>
           </p:spPr>
@@ -3923,12 +3932,12 @@
       </p:grpSp>
       <p:sp>
         <p:nvSpPr>
-          <p:cNvPr name="Freeform 9" id="9"/>
+          <p:cNvPr id="9" name="Freeform 9"/>
           <p:cNvSpPr/>
           <p:nvPr/>
         </p:nvSpPr>
         <p:spPr>
-          <a:xfrm flipH="false" flipV="false" rot="0">
+          <a:xfrm>
             <a:off x="-58130" y="9316594"/>
             <a:ext cx="18404260" cy="1940813"/>
           </a:xfrm>
@@ -3937,9 +3946,9 @@
             <a:gdLst/>
             <a:ahLst/>
             <a:cxnLst/>
-            <a:rect r="r" b="b" t="t" l="l"/>
+            <a:rect l="l" t="t" r="r" b="b"/>
             <a:pathLst>
-              <a:path h="1940813" w="18404260">
+              <a:path w="18404260" h="1940813">
                 <a:moveTo>
                   <a:pt x="0" y="0"/>
                 </a:moveTo>
@@ -3960,22 +3969,22 @@
             </a:pathLst>
           </a:custGeom>
           <a:blipFill>
-            <a:blip r:embed="rId6">
+            <a:blip r:embed="rId7" cstate="print">
               <a:extLst>
                 <a:ext uri="{96DAC541-7B7A-43D3-8B79-37D633B846F1}">
-                  <asvg:svgBlip xmlns:asvg="http://schemas.microsoft.com/office/drawing/2016/SVG/main" r:embed="rId7"/>
+                  <asvg:svgBlip xmlns:asvg="http://schemas.microsoft.com/office/drawing/2016/SVG/main" xmlns="" r:embed="rId8"/>
                 </a:ext>
               </a:extLst>
             </a:blip>
             <a:stretch>
-              <a:fillRect l="0" t="0" r="0" b="0"/>
+              <a:fillRect/>
             </a:stretch>
           </a:blipFill>
         </p:spPr>
       </p:sp>
       <p:sp>
         <p:nvSpPr>
-          <p:cNvPr name="AutoShape 10" id="10"/>
+          <p:cNvPr id="10" name="AutoShape 10"/>
           <p:cNvSpPr/>
           <p:nvPr/>
         </p:nvSpPr>
@@ -3987,24 +3996,24 @@
           <a:prstGeom prst="line">
             <a:avLst/>
           </a:prstGeom>
-          <a:ln cap="flat" w="38100">
+          <a:ln w="38100" cap="flat">
             <a:solidFill>
               <a:srgbClr val="252525"/>
             </a:solidFill>
             <a:prstDash val="solid"/>
-            <a:headEnd type="oval" len="lg" w="lg"/>
-            <a:tailEnd type="oval" len="lg" w="lg"/>
+            <a:headEnd type="oval" w="lg" len="lg"/>
+            <a:tailEnd type="oval" w="lg" len="lg"/>
           </a:ln>
         </p:spPr>
       </p:sp>
       <p:sp>
         <p:nvSpPr>
-          <p:cNvPr name="Freeform 11" id="11"/>
+          <p:cNvPr id="11" name="Freeform 11"/>
           <p:cNvSpPr/>
           <p:nvPr/>
         </p:nvSpPr>
         <p:spPr>
-          <a:xfrm flipH="false" flipV="false" rot="0">
+          <a:xfrm>
             <a:off x="1028700" y="1028700"/>
             <a:ext cx="906317" cy="215868"/>
           </a:xfrm>
@@ -4013,9 +4022,9 @@
             <a:gdLst/>
             <a:ahLst/>
             <a:cxnLst/>
-            <a:rect r="r" b="b" t="t" l="l"/>
+            <a:rect l="l" t="t" r="r" b="b"/>
             <a:pathLst>
-              <a:path h="215868" w="906317">
+              <a:path w="906317" h="215868">
                 <a:moveTo>
                   <a:pt x="0" y="0"/>
                 </a:moveTo>
@@ -4036,27 +4045,27 @@
             </a:pathLst>
           </a:custGeom>
           <a:blipFill>
-            <a:blip r:embed="rId8">
+            <a:blip r:embed="rId9" cstate="print">
               <a:extLst>
                 <a:ext uri="{96DAC541-7B7A-43D3-8B79-37D633B846F1}">
-                  <asvg:svgBlip xmlns:asvg="http://schemas.microsoft.com/office/drawing/2016/SVG/main" r:embed="rId9"/>
+                  <asvg:svgBlip xmlns:asvg="http://schemas.microsoft.com/office/drawing/2016/SVG/main" xmlns="" r:embed="rId10"/>
                 </a:ext>
               </a:extLst>
             </a:blip>
             <a:stretch>
-              <a:fillRect l="0" t="0" r="0" b="0"/>
+              <a:fillRect/>
             </a:stretch>
           </a:blipFill>
         </p:spPr>
       </p:sp>
       <p:sp>
         <p:nvSpPr>
-          <p:cNvPr name="TextBox 12" id="12"/>
-          <p:cNvSpPr txBox="true"/>
+          <p:cNvPr id="12" name="TextBox 12"/>
+          <p:cNvSpPr txBox="1"/>
           <p:nvPr/>
         </p:nvSpPr>
         <p:spPr>
-          <a:xfrm rot="0">
+          <a:xfrm>
             <a:off x="556084" y="1231884"/>
             <a:ext cx="7206473" cy="1906270"/>
           </a:xfrm>
@@ -4065,7 +4074,7 @@
           </a:prstGeom>
         </p:spPr>
         <p:txBody>
-          <a:bodyPr anchor="t" rtlCol="false" tIns="0" lIns="0" bIns="0" rIns="0">
+          <a:bodyPr lIns="0" tIns="0" rIns="0" bIns="0" rtlCol="0" anchor="t">
             <a:spAutoFit/>
           </a:bodyPr>
           <a:lstStyle/>
@@ -4076,7 +4085,7 @@
               </a:lnSpc>
             </a:pPr>
             <a:r>
-              <a:rPr lang="en-US" b="true" sz="6999" spc="174">
+              <a:rPr lang="en-US" sz="6999" b="1" spc="174">
                 <a:solidFill>
                   <a:srgbClr val="000000"/>
                 </a:solidFill>
@@ -4092,12 +4101,12 @@
       </p:sp>
       <p:sp>
         <p:nvSpPr>
-          <p:cNvPr name="TextBox 13" id="13"/>
-          <p:cNvSpPr txBox="true"/>
+          <p:cNvPr id="13" name="TextBox 13"/>
+          <p:cNvSpPr txBox="1"/>
           <p:nvPr/>
         </p:nvSpPr>
         <p:spPr>
-          <a:xfrm rot="0">
+          <a:xfrm>
             <a:off x="556084" y="3940176"/>
             <a:ext cx="9190201" cy="3626808"/>
           </a:xfrm>
@@ -4106,12 +4115,12 @@
           </a:prstGeom>
         </p:spPr>
         <p:txBody>
-          <a:bodyPr anchor="t" rtlCol="false" tIns="0" lIns="0" bIns="0" rIns="0">
+          <a:bodyPr lIns="0" tIns="0" rIns="0" bIns="0" rtlCol="0" anchor="t">
             <a:spAutoFit/>
           </a:bodyPr>
           <a:lstStyle/>
           <a:p>
-            <a:pPr algn="l" marL="521175" indent="-260588" lvl="1">
+            <a:pPr marL="521175" lvl="1" indent="-260588" algn="l">
               <a:lnSpc>
                 <a:spcPts val="5914"/>
               </a:lnSpc>
@@ -4132,7 +4141,7 @@
             </a:r>
           </a:p>
           <a:p>
-            <a:pPr algn="l" marL="521175" indent="-260588" lvl="1">
+            <a:pPr marL="521175" lvl="1" indent="-260588" algn="l">
               <a:lnSpc>
                 <a:spcPts val="5914"/>
               </a:lnSpc>
@@ -4153,7 +4162,7 @@
             </a:r>
           </a:p>
           <a:p>
-            <a:pPr algn="l" marL="521175" indent="-260588" lvl="1">
+            <a:pPr marL="521175" lvl="1" indent="-260588" algn="l">
               <a:lnSpc>
                 <a:spcPts val="5914"/>
               </a:lnSpc>
@@ -4174,7 +4183,7 @@
             </a:r>
           </a:p>
           <a:p>
-            <a:pPr algn="l" marL="521175" indent="-260588" lvl="1">
+            <a:pPr marL="521175" lvl="1" indent="-260588" algn="l">
               <a:lnSpc>
                 <a:spcPts val="5914"/>
               </a:lnSpc>
@@ -4195,7 +4204,7 @@
             </a:r>
           </a:p>
           <a:p>
-            <a:pPr algn="l" marL="521175" indent="-260588" lvl="1">
+            <a:pPr marL="521175" lvl="1" indent="-260588" algn="l">
               <a:lnSpc>
                 <a:spcPts val="5914"/>
               </a:lnSpc>
@@ -4226,7 +4235,7 @@
 </file>
 
 <file path=ppt/slides/slide4.xml><?xml version="1.0" encoding="utf-8"?>
-<p:sld xmlns:p="http://schemas.openxmlformats.org/presentationml/2006/main" xmlns:a="http://schemas.openxmlformats.org/drawingml/2006/main" xmlns:r="http://schemas.openxmlformats.org/officeDocument/2006/relationships">
+<p:sld xmlns:a="http://schemas.openxmlformats.org/drawingml/2006/main" xmlns:r="http://schemas.openxmlformats.org/officeDocument/2006/relationships" xmlns:p="http://schemas.openxmlformats.org/presentationml/2006/main">
   <p:cSld>
     <p:spTree>
       <p:nvGrpSpPr>
@@ -4244,12 +4253,12 @@
       </p:grpSpPr>
       <p:sp>
         <p:nvSpPr>
-          <p:cNvPr name="Freeform 2" id="2"/>
+          <p:cNvPr id="2" name="Freeform 2"/>
           <p:cNvSpPr/>
           <p:nvPr/>
         </p:nvSpPr>
         <p:spPr>
-          <a:xfrm flipH="false" flipV="false" rot="0">
+          <a:xfrm>
             <a:off x="0" y="0"/>
             <a:ext cx="18288000" cy="10287000"/>
           </a:xfrm>
@@ -4258,9 +4267,9 @@
             <a:gdLst/>
             <a:ahLst/>
             <a:cxnLst/>
-            <a:rect r="r" b="b" t="t" l="l"/>
+            <a:rect l="l" t="t" r="r" b="b"/>
             <a:pathLst>
-              <a:path h="10287000" w="18288000">
+              <a:path w="18288000" h="10287000">
                 <a:moveTo>
                   <a:pt x="0" y="0"/>
                 </a:moveTo>
@@ -4281,16 +4290,16 @@
             </a:pathLst>
           </a:custGeom>
           <a:blipFill>
-            <a:blip r:embed="rId2"/>
+            <a:blip r:embed="rId2" cstate="print"/>
             <a:stretch>
-              <a:fillRect l="0" t="-1492" r="0" b="-16951"/>
+              <a:fillRect t="-1492" b="-16951"/>
             </a:stretch>
           </a:blipFill>
         </p:spPr>
       </p:sp>
       <p:grpSp>
         <p:nvGrpSpPr>
-          <p:cNvPr name="Group 3" id="3"/>
+          <p:cNvPr id="3" name="Group 3"/>
           <p:cNvGrpSpPr/>
           <p:nvPr/>
         </p:nvGrpSpPr>
@@ -4304,12 +4313,12 @@
         </p:grpSpPr>
         <p:sp>
           <p:nvSpPr>
-            <p:cNvPr name="Freeform 4" id="4"/>
+            <p:cNvPr id="4" name="Freeform 4"/>
             <p:cNvSpPr/>
             <p:nvPr/>
           </p:nvSpPr>
           <p:spPr>
-            <a:xfrm flipH="false" flipV="false" rot="0">
+            <a:xfrm>
               <a:off x="0" y="0"/>
               <a:ext cx="665539" cy="1278772"/>
             </a:xfrm>
@@ -4318,9 +4327,9 @@
               <a:gdLst/>
               <a:ahLst/>
               <a:cxnLst/>
-              <a:rect r="r" b="b" t="t" l="l"/>
+              <a:rect l="l" t="t" r="r" b="b"/>
               <a:pathLst>
-                <a:path h="1278772" w="665539">
+                <a:path w="665539" h="1278772">
                   <a:moveTo>
                     <a:pt x="221966" y="19070"/>
                   </a:moveTo>
@@ -4369,8 +4378,8 @@
         </p:sp>
         <p:sp>
           <p:nvSpPr>
-            <p:cNvPr name="TextBox 5" id="5"/>
-            <p:cNvSpPr txBox="true"/>
+            <p:cNvPr id="5" name="TextBox 5"/>
+            <p:cNvSpPr txBox="1"/>
             <p:nvPr/>
           </p:nvSpPr>
           <p:spPr>
@@ -4383,7 +4392,7 @@
             </a:prstGeom>
           </p:spPr>
           <p:txBody>
-            <a:bodyPr anchor="ctr" rtlCol="false" tIns="50800" lIns="50800" bIns="50800" rIns="50800"/>
+            <a:bodyPr lIns="50800" tIns="50800" rIns="50800" bIns="50800" rtlCol="0" anchor="ctr"/>
             <a:lstStyle/>
             <a:p>
               <a:pPr algn="ctr">
@@ -4391,18 +4400,19 @@
                   <a:spcPts val="2659"/>
                 </a:lnSpc>
               </a:pPr>
+              <a:endParaRPr/>
             </a:p>
           </p:txBody>
         </p:sp>
       </p:grpSp>
       <p:grpSp>
         <p:nvGrpSpPr>
-          <p:cNvPr name="Group 6" id="6"/>
+          <p:cNvPr id="6" name="Group 6"/>
           <p:cNvGrpSpPr/>
           <p:nvPr/>
         </p:nvGrpSpPr>
         <p:grpSpPr>
-          <a:xfrm rot="0">
+          <a:xfrm>
             <a:off x="11911717" y="1580251"/>
             <a:ext cx="3720868" cy="3749823"/>
             <a:chOff x="0" y="0"/>
@@ -4411,12 +4421,12 @@
         </p:grpSpPr>
         <p:sp>
           <p:nvSpPr>
-            <p:cNvPr name="Freeform 7" id="7"/>
+            <p:cNvPr id="7" name="Freeform 7"/>
             <p:cNvSpPr/>
             <p:nvPr/>
           </p:nvSpPr>
           <p:spPr>
-            <a:xfrm flipH="false" flipV="false" rot="0">
+            <a:xfrm>
               <a:off x="0" y="0"/>
               <a:ext cx="812800" cy="819125"/>
             </a:xfrm>
@@ -4425,9 +4435,9 @@
               <a:gdLst/>
               <a:ahLst/>
               <a:cxnLst/>
-              <a:rect r="r" b="b" t="t" l="l"/>
+              <a:rect l="l" t="t" r="r" b="b"/>
               <a:pathLst>
-                <a:path h="819125" w="812800">
+                <a:path w="812800" h="819125">
                   <a:moveTo>
                     <a:pt x="406400" y="0"/>
                   </a:moveTo>
@@ -4456,9 +4466,9 @@
               </a:pathLst>
             </a:custGeom>
             <a:blipFill>
-              <a:blip r:embed="rId3"/>
+              <a:blip r:embed="rId3" cstate="print"/>
               <a:stretch>
-                <a:fillRect l="-25489" t="0" r="-25489" b="0"/>
+                <a:fillRect l="-25489" r="-25489"/>
               </a:stretch>
             </a:blipFill>
           </p:spPr>
@@ -4466,12 +4476,12 @@
       </p:grpSp>
       <p:sp>
         <p:nvSpPr>
-          <p:cNvPr name="Freeform 8" id="8"/>
+          <p:cNvPr id="8" name="Freeform 8"/>
           <p:cNvSpPr/>
           <p:nvPr/>
         </p:nvSpPr>
         <p:spPr>
-          <a:xfrm flipH="false" flipV="false" rot="0">
+          <a:xfrm>
             <a:off x="-58130" y="9316594"/>
             <a:ext cx="18404260" cy="1940813"/>
           </a:xfrm>
@@ -4480,9 +4490,9 @@
             <a:gdLst/>
             <a:ahLst/>
             <a:cxnLst/>
-            <a:rect r="r" b="b" t="t" l="l"/>
+            <a:rect l="l" t="t" r="r" b="b"/>
             <a:pathLst>
-              <a:path h="1940813" w="18404260">
+              <a:path w="18404260" h="1940813">
                 <a:moveTo>
                   <a:pt x="0" y="0"/>
                 </a:moveTo>
@@ -4503,22 +4513,22 @@
             </a:pathLst>
           </a:custGeom>
           <a:blipFill>
-            <a:blip r:embed="rId4">
+            <a:blip r:embed="rId4" cstate="print">
               <a:extLst>
                 <a:ext uri="{96DAC541-7B7A-43D3-8B79-37D633B846F1}">
-                  <asvg:svgBlip xmlns:asvg="http://schemas.microsoft.com/office/drawing/2016/SVG/main" r:embed="rId5"/>
+                  <asvg:svgBlip xmlns:asvg="http://schemas.microsoft.com/office/drawing/2016/SVG/main" xmlns="" r:embed="rId5"/>
                 </a:ext>
               </a:extLst>
             </a:blip>
             <a:stretch>
-              <a:fillRect l="0" t="0" r="0" b="0"/>
+              <a:fillRect/>
             </a:stretch>
           </a:blipFill>
         </p:spPr>
       </p:sp>
       <p:sp>
         <p:nvSpPr>
-          <p:cNvPr name="AutoShape 9" id="9"/>
+          <p:cNvPr id="9" name="AutoShape 9"/>
           <p:cNvSpPr/>
           <p:nvPr/>
         </p:nvSpPr>
@@ -4530,24 +4540,24 @@
           <a:prstGeom prst="line">
             <a:avLst/>
           </a:prstGeom>
-          <a:ln cap="flat" w="38100">
+          <a:ln w="38100" cap="flat">
             <a:solidFill>
               <a:srgbClr val="252525"/>
             </a:solidFill>
             <a:prstDash val="solid"/>
-            <a:headEnd type="oval" len="lg" w="lg"/>
-            <a:tailEnd type="oval" len="lg" w="lg"/>
+            <a:headEnd type="oval" w="lg" len="lg"/>
+            <a:tailEnd type="oval" w="lg" len="lg"/>
           </a:ln>
         </p:spPr>
       </p:sp>
       <p:sp>
         <p:nvSpPr>
-          <p:cNvPr name="Freeform 10" id="10"/>
+          <p:cNvPr id="10" name="Freeform 10"/>
           <p:cNvSpPr/>
           <p:nvPr/>
         </p:nvSpPr>
         <p:spPr>
-          <a:xfrm flipH="false" flipV="false" rot="0">
+          <a:xfrm>
             <a:off x="1028700" y="920766"/>
             <a:ext cx="906317" cy="215868"/>
           </a:xfrm>
@@ -4556,9 +4566,9 @@
             <a:gdLst/>
             <a:ahLst/>
             <a:cxnLst/>
-            <a:rect r="r" b="b" t="t" l="l"/>
+            <a:rect l="l" t="t" r="r" b="b"/>
             <a:pathLst>
-              <a:path h="215868" w="906317">
+              <a:path w="906317" h="215868">
                 <a:moveTo>
                   <a:pt x="0" y="0"/>
                 </a:moveTo>
@@ -4579,27 +4589,27 @@
             </a:pathLst>
           </a:custGeom>
           <a:blipFill>
-            <a:blip r:embed="rId6">
+            <a:blip r:embed="rId6" cstate="print">
               <a:extLst>
                 <a:ext uri="{96DAC541-7B7A-43D3-8B79-37D633B846F1}">
-                  <asvg:svgBlip xmlns:asvg="http://schemas.microsoft.com/office/drawing/2016/SVG/main" r:embed="rId7"/>
+                  <asvg:svgBlip xmlns:asvg="http://schemas.microsoft.com/office/drawing/2016/SVG/main" xmlns="" r:embed="rId7"/>
                 </a:ext>
               </a:extLst>
             </a:blip>
             <a:stretch>
-              <a:fillRect l="0" t="0" r="0" b="0"/>
+              <a:fillRect/>
             </a:stretch>
           </a:blipFill>
         </p:spPr>
       </p:sp>
       <p:sp>
         <p:nvSpPr>
-          <p:cNvPr name="Freeform 11" id="11"/>
+          <p:cNvPr id="11" name="Freeform 11"/>
           <p:cNvSpPr/>
           <p:nvPr/>
         </p:nvSpPr>
         <p:spPr>
-          <a:xfrm flipH="false" flipV="false" rot="0">
+          <a:xfrm>
             <a:off x="4640551" y="4521246"/>
             <a:ext cx="2940839" cy="2908757"/>
           </a:xfrm>
@@ -4608,9 +4618,9 @@
             <a:gdLst/>
             <a:ahLst/>
             <a:cxnLst/>
-            <a:rect r="r" b="b" t="t" l="l"/>
+            <a:rect l="l" t="t" r="r" b="b"/>
             <a:pathLst>
-              <a:path h="2908757" w="2940839">
+              <a:path w="2940839" h="2908757">
                 <a:moveTo>
                   <a:pt x="0" y="0"/>
                 </a:moveTo>
@@ -4631,28 +4641,28 @@
             </a:pathLst>
           </a:custGeom>
           <a:blipFill>
-            <a:blip r:embed="rId8">
+            <a:blip r:embed="rId8" cstate="print">
               <a:extLst>
                 <a:ext uri="{96DAC541-7B7A-43D3-8B79-37D633B846F1}">
-                  <asvg:svgBlip xmlns:asvg="http://schemas.microsoft.com/office/drawing/2016/SVG/main" r:embed="rId9"/>
+                  <asvg:svgBlip xmlns:asvg="http://schemas.microsoft.com/office/drawing/2016/SVG/main" xmlns="" r:embed="rId9"/>
                 </a:ext>
               </a:extLst>
             </a:blip>
             <a:stretch>
-              <a:fillRect l="0" t="0" r="0" b="0"/>
+              <a:fillRect/>
             </a:stretch>
           </a:blipFill>
         </p:spPr>
       </p:sp>
       <p:sp>
         <p:nvSpPr>
-          <p:cNvPr name="TextBox 12" id="12"/>
-          <p:cNvSpPr txBox="true"/>
+          <p:cNvPr id="12" name="TextBox 12"/>
+          <p:cNvSpPr txBox="1"/>
           <p:nvPr/>
         </p:nvSpPr>
         <p:spPr>
-          <a:xfrm rot="0">
-            <a:off x="504032" y="1123950"/>
+          <a:xfrm>
+            <a:off x="1447800" y="1257300"/>
             <a:ext cx="7206473" cy="1906270"/>
           </a:xfrm>
           <a:prstGeom prst="rect">
@@ -4660,7 +4670,7 @@
           </a:prstGeom>
         </p:spPr>
         <p:txBody>
-          <a:bodyPr anchor="t" rtlCol="false" tIns="0" lIns="0" bIns="0" rIns="0">
+          <a:bodyPr lIns="0" tIns="0" rIns="0" bIns="0" rtlCol="0" anchor="t">
             <a:spAutoFit/>
           </a:bodyPr>
           <a:lstStyle/>
@@ -4671,7 +4681,7 @@
               </a:lnSpc>
             </a:pPr>
             <a:r>
-              <a:rPr lang="en-US" b="true" sz="6999" spc="174">
+              <a:rPr lang="en-US" sz="6999" b="1" spc="174" dirty="0">
                 <a:solidFill>
                   <a:srgbClr val="000000"/>
                 </a:solidFill>
@@ -4687,12 +4697,12 @@
       </p:sp>
       <p:sp>
         <p:nvSpPr>
-          <p:cNvPr name="TextBox 13" id="13"/>
-          <p:cNvSpPr txBox="true"/>
+          <p:cNvPr id="13" name="TextBox 13"/>
+          <p:cNvSpPr txBox="1"/>
           <p:nvPr/>
         </p:nvSpPr>
         <p:spPr>
-          <a:xfrm rot="0">
+          <a:xfrm>
             <a:off x="849913" y="5524775"/>
             <a:ext cx="4052921" cy="625475"/>
           </a:xfrm>
@@ -4701,12 +4711,12 @@
           </a:prstGeom>
         </p:spPr>
         <p:txBody>
-          <a:bodyPr anchor="t" rtlCol="false" tIns="0" lIns="0" bIns="0" rIns="0">
+          <a:bodyPr lIns="0" tIns="0" rIns="0" bIns="0" rtlCol="0" anchor="t">
             <a:spAutoFit/>
           </a:bodyPr>
           <a:lstStyle/>
           <a:p>
-            <a:pPr algn="l" marL="0" indent="0" lvl="0">
+            <a:pPr marL="0" lvl="0" indent="0" algn="l">
               <a:lnSpc>
                 <a:spcPts val="5635"/>
               </a:lnSpc>
@@ -4715,7 +4725,7 @@
               </a:spcBef>
             </a:pPr>
             <a:r>
-              <a:rPr lang="en-US" sz="2300" spc="57" strike="noStrike" u="none">
+              <a:rPr lang="en-US" sz="2300" u="none" strike="noStrike" spc="57">
                 <a:solidFill>
                   <a:srgbClr val="000000"/>
                 </a:solidFill>
@@ -4731,12 +4741,12 @@
       </p:sp>
       <p:sp>
         <p:nvSpPr>
-          <p:cNvPr name="TextBox 14" id="14"/>
-          <p:cNvSpPr txBox="true"/>
+          <p:cNvPr id="14" name="TextBox 14"/>
+          <p:cNvSpPr txBox="1"/>
           <p:nvPr/>
         </p:nvSpPr>
         <p:spPr>
-          <a:xfrm rot="0">
+          <a:xfrm>
             <a:off x="205314" y="6378850"/>
             <a:ext cx="4698680" cy="436372"/>
           </a:xfrm>
@@ -4745,12 +4755,12 @@
           </a:prstGeom>
         </p:spPr>
         <p:txBody>
-          <a:bodyPr anchor="t" rtlCol="false" tIns="0" lIns="0" bIns="0" rIns="0">
+          <a:bodyPr lIns="0" tIns="0" rIns="0" bIns="0" rtlCol="0" anchor="t">
             <a:spAutoFit/>
           </a:bodyPr>
           <a:lstStyle/>
           <a:p>
-            <a:pPr algn="ctr" marL="0" indent="0" lvl="0">
+            <a:pPr marL="0" lvl="0" indent="0" algn="ctr">
               <a:lnSpc>
                 <a:spcPts val="3749"/>
               </a:lnSpc>
@@ -4772,12 +4782,12 @@
       </p:sp>
       <p:sp>
         <p:nvSpPr>
-          <p:cNvPr name="TextBox 15" id="15"/>
-          <p:cNvSpPr txBox="true"/>
+          <p:cNvPr id="15" name="TextBox 15"/>
+          <p:cNvSpPr txBox="1"/>
           <p:nvPr/>
         </p:nvSpPr>
         <p:spPr>
-          <a:xfrm rot="0">
+          <a:xfrm>
             <a:off x="2087193" y="4775620"/>
             <a:ext cx="3002906" cy="625475"/>
           </a:xfrm>
@@ -4786,12 +4796,12 @@
           </a:prstGeom>
         </p:spPr>
         <p:txBody>
-          <a:bodyPr anchor="t" rtlCol="false" tIns="0" lIns="0" bIns="0" rIns="0">
+          <a:bodyPr lIns="0" tIns="0" rIns="0" bIns="0" rtlCol="0" anchor="t">
             <a:spAutoFit/>
           </a:bodyPr>
           <a:lstStyle/>
           <a:p>
-            <a:pPr algn="l" marL="0" indent="0" lvl="0">
+            <a:pPr marL="0" lvl="0" indent="0" algn="l">
               <a:lnSpc>
                 <a:spcPts val="5635"/>
               </a:lnSpc>
@@ -4816,12 +4826,12 @@
       </p:sp>
       <p:sp>
         <p:nvSpPr>
-          <p:cNvPr name="TextBox 16" id="16"/>
-          <p:cNvSpPr txBox="true"/>
+          <p:cNvPr id="16" name="TextBox 16"/>
+          <p:cNvSpPr txBox="1"/>
           <p:nvPr/>
         </p:nvSpPr>
         <p:spPr>
-          <a:xfrm rot="0">
+          <a:xfrm>
             <a:off x="6578798" y="7036404"/>
             <a:ext cx="5130403" cy="789305"/>
           </a:xfrm>
@@ -4830,12 +4840,12 @@
           </a:prstGeom>
         </p:spPr>
         <p:txBody>
-          <a:bodyPr anchor="t" rtlCol="false" tIns="0" lIns="0" bIns="0" rIns="0">
+          <a:bodyPr lIns="0" tIns="0" rIns="0" bIns="0" rtlCol="0" anchor="t">
             <a:spAutoFit/>
           </a:bodyPr>
           <a:lstStyle/>
           <a:p>
-            <a:pPr algn="ctr" marL="0" indent="0" lvl="0">
+            <a:pPr marL="0" lvl="0" indent="0" algn="ctr">
               <a:lnSpc>
                 <a:spcPts val="3220"/>
               </a:lnSpc>
@@ -4857,12 +4867,12 @@
       </p:sp>
       <p:sp>
         <p:nvSpPr>
-          <p:cNvPr name="TextBox 17" id="17"/>
-          <p:cNvSpPr txBox="true"/>
+          <p:cNvPr id="17" name="TextBox 17"/>
+          <p:cNvSpPr txBox="1"/>
           <p:nvPr/>
         </p:nvSpPr>
         <p:spPr>
-          <a:xfrm rot="0">
+          <a:xfrm>
             <a:off x="7033843" y="4245021"/>
             <a:ext cx="4220315" cy="625475"/>
           </a:xfrm>
@@ -4871,12 +4881,12 @@
           </a:prstGeom>
         </p:spPr>
         <p:txBody>
-          <a:bodyPr anchor="t" rtlCol="false" tIns="0" lIns="0" bIns="0" rIns="0">
+          <a:bodyPr lIns="0" tIns="0" rIns="0" bIns="0" rtlCol="0" anchor="t">
             <a:spAutoFit/>
           </a:bodyPr>
           <a:lstStyle/>
           <a:p>
-            <a:pPr algn="l" marL="0" indent="0" lvl="0">
+            <a:pPr marL="0" lvl="0" indent="0" algn="l">
               <a:lnSpc>
                 <a:spcPts val="5635"/>
               </a:lnSpc>
@@ -4901,12 +4911,12 @@
       </p:sp>
       <p:sp>
         <p:nvSpPr>
-          <p:cNvPr name="TextBox 18" id="18"/>
-          <p:cNvSpPr txBox="true"/>
+          <p:cNvPr id="18" name="TextBox 18"/>
+          <p:cNvSpPr txBox="1"/>
           <p:nvPr/>
         </p:nvSpPr>
         <p:spPr>
-          <a:xfrm rot="0">
+          <a:xfrm>
             <a:off x="7456505" y="6197875"/>
             <a:ext cx="6274692" cy="625475"/>
           </a:xfrm>
@@ -4915,12 +4925,12 @@
           </a:prstGeom>
         </p:spPr>
         <p:txBody>
-          <a:bodyPr anchor="t" rtlCol="false" tIns="0" lIns="0" bIns="0" rIns="0">
+          <a:bodyPr lIns="0" tIns="0" rIns="0" bIns="0" rtlCol="0" anchor="t">
             <a:spAutoFit/>
           </a:bodyPr>
           <a:lstStyle/>
           <a:p>
-            <a:pPr algn="l" marL="0" indent="0" lvl="0">
+            <a:pPr marL="0" lvl="0" indent="0" algn="l">
               <a:lnSpc>
                 <a:spcPts val="5635"/>
               </a:lnSpc>
@@ -4945,12 +4955,12 @@
       </p:sp>
       <p:sp>
         <p:nvSpPr>
-          <p:cNvPr name="TextBox 19" id="19"/>
-          <p:cNvSpPr txBox="true"/>
+          <p:cNvPr id="19" name="TextBox 19"/>
+          <p:cNvSpPr txBox="1"/>
           <p:nvPr/>
         </p:nvSpPr>
         <p:spPr>
-          <a:xfrm rot="0">
+          <a:xfrm>
             <a:off x="205314" y="4245021"/>
             <a:ext cx="5037767" cy="625475"/>
           </a:xfrm>
@@ -4959,12 +4969,12 @@
           </a:prstGeom>
         </p:spPr>
         <p:txBody>
-          <a:bodyPr anchor="t" rtlCol="false" tIns="0" lIns="0" bIns="0" rIns="0">
+          <a:bodyPr lIns="0" tIns="0" rIns="0" bIns="0" rtlCol="0" anchor="t">
             <a:spAutoFit/>
           </a:bodyPr>
           <a:lstStyle/>
           <a:p>
-            <a:pPr algn="l" marL="0" indent="0" lvl="0">
+            <a:pPr marL="0" lvl="0" indent="0" algn="l">
               <a:lnSpc>
                 <a:spcPts val="5635"/>
               </a:lnSpc>
@@ -4989,12 +4999,12 @@
       </p:sp>
       <p:sp>
         <p:nvSpPr>
-          <p:cNvPr name="TextBox 20" id="20"/>
-          <p:cNvSpPr txBox="true"/>
+          <p:cNvPr id="20" name="TextBox 20"/>
+          <p:cNvSpPr txBox="1"/>
           <p:nvPr/>
         </p:nvSpPr>
         <p:spPr>
-          <a:xfrm rot="0">
+          <a:xfrm>
             <a:off x="7710505" y="5524775"/>
             <a:ext cx="6579044" cy="625475"/>
           </a:xfrm>
@@ -5003,12 +5013,12 @@
           </a:prstGeom>
         </p:spPr>
         <p:txBody>
-          <a:bodyPr anchor="t" rtlCol="false" tIns="0" lIns="0" bIns="0" rIns="0">
+          <a:bodyPr lIns="0" tIns="0" rIns="0" bIns="0" rtlCol="0" anchor="t">
             <a:spAutoFit/>
           </a:bodyPr>
           <a:lstStyle/>
           <a:p>
-            <a:pPr algn="l" marL="0" indent="0" lvl="0">
+            <a:pPr marL="0" lvl="0" indent="0" algn="l">
               <a:lnSpc>
                 <a:spcPts val="5635"/>
               </a:lnSpc>
@@ -5033,12 +5043,12 @@
       </p:sp>
       <p:sp>
         <p:nvSpPr>
-          <p:cNvPr name="TextBox 21" id="21"/>
-          <p:cNvSpPr txBox="true"/>
+          <p:cNvPr id="21" name="TextBox 21"/>
+          <p:cNvSpPr txBox="1"/>
           <p:nvPr/>
         </p:nvSpPr>
         <p:spPr>
-          <a:xfrm rot="0">
+          <a:xfrm>
             <a:off x="872502" y="7091446"/>
             <a:ext cx="4370578" cy="789305"/>
           </a:xfrm>
@@ -5047,12 +5057,12 @@
           </a:prstGeom>
         </p:spPr>
         <p:txBody>
-          <a:bodyPr anchor="t" rtlCol="false" tIns="0" lIns="0" bIns="0" rIns="0">
+          <a:bodyPr lIns="0" tIns="0" rIns="0" bIns="0" rtlCol="0" anchor="t">
             <a:spAutoFit/>
           </a:bodyPr>
           <a:lstStyle/>
           <a:p>
-            <a:pPr algn="ctr" marL="0" indent="0" lvl="0">
+            <a:pPr marL="0" lvl="0" indent="0" algn="ctr">
               <a:lnSpc>
                 <a:spcPts val="3220"/>
               </a:lnSpc>
@@ -5074,12 +5084,12 @@
       </p:sp>
       <p:sp>
         <p:nvSpPr>
-          <p:cNvPr name="TextBox 22" id="22"/>
-          <p:cNvSpPr txBox="true"/>
+          <p:cNvPr id="22" name="TextBox 22"/>
+          <p:cNvSpPr txBox="1"/>
           <p:nvPr/>
         </p:nvSpPr>
         <p:spPr>
-          <a:xfrm rot="0">
+          <a:xfrm>
             <a:off x="7456505" y="4851675"/>
             <a:ext cx="5179024" cy="625475"/>
           </a:xfrm>
@@ -5088,12 +5098,12 @@
           </a:prstGeom>
         </p:spPr>
         <p:txBody>
-          <a:bodyPr anchor="t" rtlCol="false" tIns="0" lIns="0" bIns="0" rIns="0">
+          <a:bodyPr lIns="0" tIns="0" rIns="0" bIns="0" rtlCol="0" anchor="t">
             <a:spAutoFit/>
           </a:bodyPr>
           <a:lstStyle/>
           <a:p>
-            <a:pPr algn="l" marL="0" indent="0" lvl="0">
+            <a:pPr marL="0" lvl="0" indent="0" algn="l">
               <a:lnSpc>
                 <a:spcPts val="5635"/>
               </a:lnSpc>
@@ -5125,7 +5135,7 @@
 </file>
 
 <file path=ppt/slides/slide5.xml><?xml version="1.0" encoding="utf-8"?>
-<p:sld xmlns:p="http://schemas.openxmlformats.org/presentationml/2006/main" xmlns:a="http://schemas.openxmlformats.org/drawingml/2006/main" xmlns:r="http://schemas.openxmlformats.org/officeDocument/2006/relationships">
+<p:sld xmlns:a="http://schemas.openxmlformats.org/drawingml/2006/main" xmlns:r="http://schemas.openxmlformats.org/officeDocument/2006/relationships" xmlns:p="http://schemas.openxmlformats.org/presentationml/2006/main">
   <p:cSld>
     <p:spTree>
       <p:nvGrpSpPr>
@@ -5143,12 +5153,12 @@
       </p:grpSpPr>
       <p:sp>
         <p:nvSpPr>
-          <p:cNvPr name="Freeform 2" id="2"/>
+          <p:cNvPr id="2" name="Freeform 2"/>
           <p:cNvSpPr/>
           <p:nvPr/>
         </p:nvSpPr>
         <p:spPr>
-          <a:xfrm flipH="false" flipV="false" rot="0">
+          <a:xfrm>
             <a:off x="0" y="0"/>
             <a:ext cx="18288000" cy="10287000"/>
           </a:xfrm>
@@ -5157,9 +5167,9 @@
             <a:gdLst/>
             <a:ahLst/>
             <a:cxnLst/>
-            <a:rect r="r" b="b" t="t" l="l"/>
+            <a:rect l="l" t="t" r="r" b="b"/>
             <a:pathLst>
-              <a:path h="10287000" w="18288000">
+              <a:path w="18288000" h="10287000">
                 <a:moveTo>
                   <a:pt x="0" y="0"/>
                 </a:moveTo>
@@ -5180,21 +5190,21 @@
             </a:pathLst>
           </a:custGeom>
           <a:blipFill>
-            <a:blip r:embed="rId2"/>
+            <a:blip r:embed="rId2" cstate="print"/>
             <a:stretch>
-              <a:fillRect l="0" t="-9222" r="0" b="-9222"/>
+              <a:fillRect t="-9222" b="-9222"/>
             </a:stretch>
           </a:blipFill>
         </p:spPr>
       </p:sp>
       <p:grpSp>
         <p:nvGrpSpPr>
-          <p:cNvPr name="Group 3" id="3"/>
+          <p:cNvPr id="3" name="Group 3"/>
           <p:cNvGrpSpPr/>
           <p:nvPr/>
         </p:nvGrpSpPr>
         <p:grpSpPr>
-          <a:xfrm rot="0">
+          <a:xfrm>
             <a:off x="14719573" y="-98443"/>
             <a:ext cx="3684686" cy="10511801"/>
             <a:chOff x="0" y="0"/>
@@ -5203,12 +5213,12 @@
         </p:grpSpPr>
         <p:sp>
           <p:nvSpPr>
-            <p:cNvPr name="Freeform 4" id="4"/>
+            <p:cNvPr id="4" name="Freeform 4"/>
             <p:cNvSpPr/>
             <p:nvPr/>
           </p:nvSpPr>
           <p:spPr>
-            <a:xfrm flipH="false" flipV="false" rot="0">
+            <a:xfrm>
               <a:off x="0" y="0"/>
               <a:ext cx="970452" cy="2768540"/>
             </a:xfrm>
@@ -5217,9 +5227,9 @@
               <a:gdLst/>
               <a:ahLst/>
               <a:cxnLst/>
-              <a:rect r="r" b="b" t="t" l="l"/>
+              <a:rect l="l" t="t" r="r" b="b"/>
               <a:pathLst>
-                <a:path h="2768540" w="970452">
+                <a:path w="970452" h="2768540">
                   <a:moveTo>
                     <a:pt x="0" y="0"/>
                   </a:moveTo>
@@ -5243,8 +5253,8 @@
         </p:sp>
         <p:sp>
           <p:nvSpPr>
-            <p:cNvPr name="TextBox 5" id="5"/>
-            <p:cNvSpPr txBox="true"/>
+            <p:cNvPr id="5" name="TextBox 5"/>
+            <p:cNvSpPr txBox="1"/>
             <p:nvPr/>
           </p:nvSpPr>
           <p:spPr>
@@ -5257,7 +5267,7 @@
             </a:prstGeom>
           </p:spPr>
           <p:txBody>
-            <a:bodyPr anchor="ctr" rtlCol="false" tIns="50800" lIns="50800" bIns="50800" rIns="50800"/>
+            <a:bodyPr lIns="50800" tIns="50800" rIns="50800" bIns="50800" rtlCol="0" anchor="ctr"/>
             <a:lstStyle/>
             <a:p>
               <a:pPr algn="ctr">
@@ -5265,18 +5275,19 @@
                   <a:spcPts val="2659"/>
                 </a:lnSpc>
               </a:pPr>
+              <a:endParaRPr/>
             </a:p>
           </p:txBody>
         </p:sp>
       </p:grpSp>
       <p:sp>
         <p:nvSpPr>
-          <p:cNvPr name="Freeform 6" id="6"/>
+          <p:cNvPr id="6" name="Freeform 6"/>
           <p:cNvSpPr/>
           <p:nvPr/>
         </p:nvSpPr>
         <p:spPr>
-          <a:xfrm flipH="false" flipV="false" rot="5400000">
+          <a:xfrm rot="5400000">
             <a:off x="10162363" y="3296142"/>
             <a:ext cx="6090488" cy="3045244"/>
           </a:xfrm>
@@ -5285,9 +5296,9 @@
             <a:gdLst/>
             <a:ahLst/>
             <a:cxnLst/>
-            <a:rect r="r" b="b" t="t" l="l"/>
+            <a:rect l="l" t="t" r="r" b="b"/>
             <a:pathLst>
-              <a:path h="3045244" w="6090488">
+              <a:path w="6090488" h="3045244">
                 <a:moveTo>
                   <a:pt x="0" y="0"/>
                 </a:moveTo>
@@ -5308,27 +5319,27 @@
             </a:pathLst>
           </a:custGeom>
           <a:blipFill>
-            <a:blip r:embed="rId3">
+            <a:blip r:embed="rId3" cstate="print">
               <a:extLst>
                 <a:ext uri="{96DAC541-7B7A-43D3-8B79-37D633B846F1}">
-                  <asvg:svgBlip xmlns:asvg="http://schemas.microsoft.com/office/drawing/2016/SVG/main" r:embed="rId4"/>
+                  <asvg:svgBlip xmlns:asvg="http://schemas.microsoft.com/office/drawing/2016/SVG/main" xmlns="" r:embed="rId4"/>
                 </a:ext>
               </a:extLst>
             </a:blip>
             <a:stretch>
-              <a:fillRect l="0" t="0" r="0" b="0"/>
+              <a:fillRect/>
             </a:stretch>
           </a:blipFill>
         </p:spPr>
       </p:sp>
       <p:sp>
         <p:nvSpPr>
-          <p:cNvPr name="Freeform 7" id="7"/>
+          <p:cNvPr id="7" name="Freeform 7"/>
           <p:cNvSpPr/>
           <p:nvPr/>
         </p:nvSpPr>
         <p:spPr>
-          <a:xfrm flipH="true" flipV="true" rot="5400000">
+          <a:xfrm rot="5400000" flipH="1" flipV="1">
             <a:off x="13186296" y="3296142"/>
             <a:ext cx="6090488" cy="3045244"/>
           </a:xfrm>
@@ -5337,9 +5348,9 @@
             <a:gdLst/>
             <a:ahLst/>
             <a:cxnLst/>
-            <a:rect r="r" b="b" t="t" l="l"/>
+            <a:rect l="l" t="t" r="r" b="b"/>
             <a:pathLst>
-              <a:path h="3045244" w="6090488">
+              <a:path w="6090488" h="3045244">
                 <a:moveTo>
                   <a:pt x="6090488" y="3045244"/>
                 </a:moveTo>
@@ -5360,27 +5371,27 @@
             </a:pathLst>
           </a:custGeom>
           <a:blipFill>
-            <a:blip r:embed="rId5">
+            <a:blip r:embed="rId5" cstate="print">
               <a:extLst>
                 <a:ext uri="{96DAC541-7B7A-43D3-8B79-37D633B846F1}">
-                  <asvg:svgBlip xmlns:asvg="http://schemas.microsoft.com/office/drawing/2016/SVG/main" r:embed="rId6"/>
+                  <asvg:svgBlip xmlns:asvg="http://schemas.microsoft.com/office/drawing/2016/SVG/main" xmlns="" r:embed="rId6"/>
                 </a:ext>
               </a:extLst>
             </a:blip>
             <a:stretch>
-              <a:fillRect l="0" t="0" r="0" b="0"/>
+              <a:fillRect/>
             </a:stretch>
           </a:blipFill>
         </p:spPr>
       </p:sp>
       <p:grpSp>
         <p:nvGrpSpPr>
-          <p:cNvPr name="Group 8" id="8"/>
+          <p:cNvPr id="8" name="Group 8"/>
           <p:cNvGrpSpPr/>
           <p:nvPr/>
         </p:nvGrpSpPr>
         <p:grpSpPr>
-          <a:xfrm rot="0">
+          <a:xfrm>
             <a:off x="11882327" y="2000065"/>
             <a:ext cx="5653182" cy="5653182"/>
             <a:chOff x="0" y="0"/>
@@ -5389,12 +5400,12 @@
         </p:grpSpPr>
         <p:sp>
           <p:nvSpPr>
-            <p:cNvPr name="Freeform 9" id="9"/>
+            <p:cNvPr id="9" name="Freeform 9"/>
             <p:cNvSpPr/>
             <p:nvPr/>
           </p:nvSpPr>
           <p:spPr>
-            <a:xfrm flipH="false" flipV="false" rot="0">
+            <a:xfrm>
               <a:off x="0" y="0"/>
               <a:ext cx="812800" cy="812800"/>
             </a:xfrm>
@@ -5403,9 +5414,9 @@
               <a:gdLst/>
               <a:ahLst/>
               <a:cxnLst/>
-              <a:rect r="r" b="b" t="t" l="l"/>
+              <a:rect l="l" t="t" r="r" b="b"/>
               <a:pathLst>
-                <a:path h="812800" w="812800">
+                <a:path w="812800" h="812800">
                   <a:moveTo>
                     <a:pt x="406400" y="0"/>
                   </a:moveTo>
@@ -5434,9 +5445,9 @@
               </a:pathLst>
             </a:custGeom>
             <a:blipFill>
-              <a:blip r:embed="rId7"/>
+              <a:blip r:embed="rId7" cstate="print"/>
               <a:stretch>
-                <a:fillRect l="0" t="-16666" r="0" b="-16666"/>
+                <a:fillRect t="-16666" b="-16666"/>
               </a:stretch>
             </a:blipFill>
           </p:spPr>
@@ -5444,12 +5455,12 @@
       </p:grpSp>
       <p:sp>
         <p:nvSpPr>
-          <p:cNvPr name="Freeform 10" id="10"/>
+          <p:cNvPr id="10" name="Freeform 10"/>
           <p:cNvSpPr/>
           <p:nvPr/>
         </p:nvSpPr>
         <p:spPr>
-          <a:xfrm flipH="false" flipV="false" rot="0">
+          <a:xfrm>
             <a:off x="-58130" y="9316594"/>
             <a:ext cx="18404260" cy="1940813"/>
           </a:xfrm>
@@ -5458,9 +5469,9 @@
             <a:gdLst/>
             <a:ahLst/>
             <a:cxnLst/>
-            <a:rect r="r" b="b" t="t" l="l"/>
+            <a:rect l="l" t="t" r="r" b="b"/>
             <a:pathLst>
-              <a:path h="1940813" w="18404260">
+              <a:path w="18404260" h="1940813">
                 <a:moveTo>
                   <a:pt x="0" y="0"/>
                 </a:moveTo>
@@ -5481,22 +5492,22 @@
             </a:pathLst>
           </a:custGeom>
           <a:blipFill>
-            <a:blip r:embed="rId8">
+            <a:blip r:embed="rId8" cstate="print">
               <a:extLst>
                 <a:ext uri="{96DAC541-7B7A-43D3-8B79-37D633B846F1}">
-                  <asvg:svgBlip xmlns:asvg="http://schemas.microsoft.com/office/drawing/2016/SVG/main" r:embed="rId9"/>
+                  <asvg:svgBlip xmlns:asvg="http://schemas.microsoft.com/office/drawing/2016/SVG/main" xmlns="" r:embed="rId9"/>
                 </a:ext>
               </a:extLst>
             </a:blip>
             <a:stretch>
-              <a:fillRect l="0" t="0" r="0" b="0"/>
+              <a:fillRect/>
             </a:stretch>
           </a:blipFill>
         </p:spPr>
       </p:sp>
       <p:sp>
         <p:nvSpPr>
-          <p:cNvPr name="AutoShape 11" id="11"/>
+          <p:cNvPr id="11" name="AutoShape 11"/>
           <p:cNvSpPr/>
           <p:nvPr/>
         </p:nvSpPr>
@@ -5508,24 +5519,24 @@
           <a:prstGeom prst="line">
             <a:avLst/>
           </a:prstGeom>
-          <a:ln cap="flat" w="38100">
+          <a:ln w="38100" cap="flat">
             <a:solidFill>
               <a:srgbClr val="252525"/>
             </a:solidFill>
             <a:prstDash val="solid"/>
-            <a:headEnd type="oval" len="lg" w="lg"/>
-            <a:tailEnd type="oval" len="lg" w="lg"/>
+            <a:headEnd type="oval" w="lg" len="lg"/>
+            <a:tailEnd type="oval" w="lg" len="lg"/>
           </a:ln>
         </p:spPr>
       </p:sp>
       <p:sp>
         <p:nvSpPr>
-          <p:cNvPr name="TextBox 12" id="12"/>
-          <p:cNvSpPr txBox="true"/>
+          <p:cNvPr id="12" name="TextBox 12"/>
+          <p:cNvSpPr txBox="1"/>
           <p:nvPr/>
         </p:nvSpPr>
         <p:spPr>
-          <a:xfrm rot="0">
+          <a:xfrm>
             <a:off x="343037" y="2474242"/>
             <a:ext cx="11250642" cy="5987060"/>
           </a:xfrm>
@@ -5534,7 +5545,7 @@
           </a:prstGeom>
         </p:spPr>
         <p:txBody>
-          <a:bodyPr anchor="t" rtlCol="false" tIns="0" lIns="0" bIns="0" rIns="0">
+          <a:bodyPr lIns="0" tIns="0" rIns="0" bIns="0" rtlCol="0" anchor="t">
             <a:spAutoFit/>
           </a:bodyPr>
           <a:lstStyle/>
@@ -5563,6 +5574,7 @@
                 <a:spcPts val="3379"/>
               </a:lnSpc>
             </a:pPr>
+            <a:endParaRPr/>
           </a:p>
           <a:p>
             <a:pPr algn="l">
@@ -5587,12 +5599,12 @@
       </p:sp>
       <p:sp>
         <p:nvSpPr>
-          <p:cNvPr name="TextBox 13" id="13"/>
-          <p:cNvSpPr txBox="true"/>
+          <p:cNvPr id="13" name="TextBox 13"/>
+          <p:cNvSpPr txBox="1"/>
           <p:nvPr/>
         </p:nvSpPr>
         <p:spPr>
-          <a:xfrm rot="0">
+          <a:xfrm>
             <a:off x="1937527" y="1339497"/>
             <a:ext cx="7206473" cy="963295"/>
           </a:xfrm>
@@ -5601,7 +5613,7 @@
           </a:prstGeom>
         </p:spPr>
         <p:txBody>
-          <a:bodyPr anchor="t" rtlCol="false" tIns="0" lIns="0" bIns="0" rIns="0">
+          <a:bodyPr lIns="0" tIns="0" rIns="0" bIns="0" rtlCol="0" anchor="t">
             <a:spAutoFit/>
           </a:bodyPr>
           <a:lstStyle/>
@@ -5612,7 +5624,7 @@
               </a:lnSpc>
             </a:pPr>
             <a:r>
-              <a:rPr lang="en-US" b="true" sz="6999" spc="174">
+              <a:rPr lang="en-US" sz="6999" b="1" spc="174">
                 <a:solidFill>
                   <a:srgbClr val="000000"/>
                 </a:solidFill>
@@ -5635,7 +5647,7 @@
 </file>
 
 <file path=ppt/slides/slide6.xml><?xml version="1.0" encoding="utf-8"?>
-<p:sld xmlns:p="http://schemas.openxmlformats.org/presentationml/2006/main" xmlns:a="http://schemas.openxmlformats.org/drawingml/2006/main" xmlns:r="http://schemas.openxmlformats.org/officeDocument/2006/relationships">
+<p:sld xmlns:a="http://schemas.openxmlformats.org/drawingml/2006/main" xmlns:r="http://schemas.openxmlformats.org/officeDocument/2006/relationships" xmlns:p="http://schemas.openxmlformats.org/presentationml/2006/main">
   <p:cSld>
     <p:spTree>
       <p:nvGrpSpPr>
@@ -5653,12 +5665,12 @@
       </p:grpSpPr>
       <p:sp>
         <p:nvSpPr>
-          <p:cNvPr name="Freeform 2" id="2"/>
+          <p:cNvPr id="2" name="Freeform 2"/>
           <p:cNvSpPr/>
           <p:nvPr/>
         </p:nvSpPr>
         <p:spPr>
-          <a:xfrm flipH="false" flipV="false" rot="0">
+          <a:xfrm>
             <a:off x="0" y="0"/>
             <a:ext cx="18288000" cy="10287000"/>
           </a:xfrm>
@@ -5667,9 +5679,9 @@
             <a:gdLst/>
             <a:ahLst/>
             <a:cxnLst/>
-            <a:rect r="r" b="b" t="t" l="l"/>
+            <a:rect l="l" t="t" r="r" b="b"/>
             <a:pathLst>
-              <a:path h="10287000" w="18288000">
+              <a:path w="18288000" h="10287000">
                 <a:moveTo>
                   <a:pt x="0" y="0"/>
                 </a:moveTo>
@@ -5690,21 +5702,21 @@
             </a:pathLst>
           </a:custGeom>
           <a:blipFill>
-            <a:blip r:embed="rId2"/>
+            <a:blip r:embed="rId2" cstate="print"/>
             <a:stretch>
-              <a:fillRect l="0" t="-9222" r="0" b="-9222"/>
+              <a:fillRect t="-9222" b="-9222"/>
             </a:stretch>
           </a:blipFill>
         </p:spPr>
       </p:sp>
       <p:grpSp>
         <p:nvGrpSpPr>
-          <p:cNvPr name="Group 3" id="3"/>
+          <p:cNvPr id="3" name="Group 3"/>
           <p:cNvGrpSpPr/>
           <p:nvPr/>
         </p:nvGrpSpPr>
         <p:grpSpPr>
-          <a:xfrm rot="0">
+          <a:xfrm>
             <a:off x="11397549" y="0"/>
             <a:ext cx="5470924" cy="4761070"/>
             <a:chOff x="0" y="0"/>
@@ -5713,12 +5725,12 @@
         </p:grpSpPr>
         <p:sp>
           <p:nvSpPr>
-            <p:cNvPr name="Freeform 4" id="4"/>
+            <p:cNvPr id="4" name="Freeform 4"/>
             <p:cNvSpPr/>
             <p:nvPr/>
           </p:nvSpPr>
           <p:spPr>
-            <a:xfrm flipH="false" flipV="false" rot="0">
+            <a:xfrm>
               <a:off x="0" y="0"/>
               <a:ext cx="1440902" cy="1253944"/>
             </a:xfrm>
@@ -5727,9 +5739,9 @@
               <a:gdLst/>
               <a:ahLst/>
               <a:cxnLst/>
-              <a:rect r="r" b="b" t="t" l="l"/>
+              <a:rect l="l" t="t" r="r" b="b"/>
               <a:pathLst>
-                <a:path h="1253944" w="1440902">
+                <a:path w="1440902" h="1253944">
                   <a:moveTo>
                     <a:pt x="0" y="0"/>
                   </a:moveTo>
@@ -5753,8 +5765,8 @@
         </p:sp>
         <p:sp>
           <p:nvSpPr>
-            <p:cNvPr name="TextBox 5" id="5"/>
-            <p:cNvSpPr txBox="true"/>
+            <p:cNvPr id="5" name="TextBox 5"/>
+            <p:cNvSpPr txBox="1"/>
             <p:nvPr/>
           </p:nvSpPr>
           <p:spPr>
@@ -5767,7 +5779,7 @@
             </a:prstGeom>
           </p:spPr>
           <p:txBody>
-            <a:bodyPr anchor="ctr" rtlCol="false" tIns="50800" lIns="50800" bIns="50800" rIns="50800"/>
+            <a:bodyPr lIns="50800" tIns="50800" rIns="50800" bIns="50800" rtlCol="0" anchor="ctr"/>
             <a:lstStyle/>
             <a:p>
               <a:pPr algn="ctr">
@@ -5775,18 +5787,19 @@
                   <a:spcPts val="2659"/>
                 </a:lnSpc>
               </a:pPr>
+              <a:endParaRPr/>
             </a:p>
           </p:txBody>
         </p:sp>
       </p:grpSp>
       <p:grpSp>
         <p:nvGrpSpPr>
-          <p:cNvPr name="Group 6" id="6"/>
+          <p:cNvPr id="6" name="Group 6"/>
           <p:cNvGrpSpPr/>
           <p:nvPr/>
         </p:nvGrpSpPr>
         <p:grpSpPr>
-          <a:xfrm rot="0">
+          <a:xfrm>
             <a:off x="11776903" y="2380535"/>
             <a:ext cx="4712217" cy="4712217"/>
             <a:chOff x="0" y="0"/>
@@ -5795,12 +5808,12 @@
         </p:grpSpPr>
         <p:sp>
           <p:nvSpPr>
-            <p:cNvPr name="Freeform 7" id="7"/>
+            <p:cNvPr id="7" name="Freeform 7"/>
             <p:cNvSpPr/>
             <p:nvPr/>
           </p:nvSpPr>
           <p:spPr>
-            <a:xfrm flipH="false" flipV="false" rot="0">
+            <a:xfrm>
               <a:off x="0" y="0"/>
               <a:ext cx="812800" cy="812800"/>
             </a:xfrm>
@@ -5809,9 +5822,9 @@
               <a:gdLst/>
               <a:ahLst/>
               <a:cxnLst/>
-              <a:rect r="r" b="b" t="t" l="l"/>
+              <a:rect l="l" t="t" r="r" b="b"/>
               <a:pathLst>
-                <a:path h="812800" w="812800">
+                <a:path w="812800" h="812800">
                   <a:moveTo>
                     <a:pt x="406400" y="0"/>
                   </a:moveTo>
@@ -5846,8 +5859,8 @@
         </p:sp>
         <p:sp>
           <p:nvSpPr>
-            <p:cNvPr name="TextBox 8" id="8"/>
-            <p:cNvSpPr txBox="true"/>
+            <p:cNvPr id="8" name="TextBox 8"/>
+            <p:cNvSpPr txBox="1"/>
             <p:nvPr/>
           </p:nvSpPr>
           <p:spPr>
@@ -5860,7 +5873,7 @@
             </a:prstGeom>
           </p:spPr>
           <p:txBody>
-            <a:bodyPr anchor="ctr" rtlCol="false" tIns="50800" lIns="50800" bIns="50800" rIns="50800"/>
+            <a:bodyPr lIns="50800" tIns="50800" rIns="50800" bIns="50800" rtlCol="0" anchor="ctr"/>
             <a:lstStyle/>
             <a:p>
               <a:pPr algn="ctr">
@@ -5868,18 +5881,19 @@
                   <a:spcPts val="2659"/>
                 </a:lnSpc>
               </a:pPr>
+              <a:endParaRPr/>
             </a:p>
           </p:txBody>
         </p:sp>
       </p:grpSp>
       <p:grpSp>
         <p:nvGrpSpPr>
-          <p:cNvPr name="Group 9" id="9"/>
+          <p:cNvPr id="9" name="Group 9"/>
           <p:cNvGrpSpPr/>
           <p:nvPr/>
         </p:nvGrpSpPr>
         <p:grpSpPr>
-          <a:xfrm rot="0">
+          <a:xfrm>
             <a:off x="11994870" y="2598502"/>
             <a:ext cx="4276283" cy="4276283"/>
             <a:chOff x="0" y="0"/>
@@ -5888,12 +5902,12 @@
         </p:grpSpPr>
         <p:sp>
           <p:nvSpPr>
-            <p:cNvPr name="Freeform 10" id="10"/>
+            <p:cNvPr id="10" name="Freeform 10"/>
             <p:cNvSpPr/>
             <p:nvPr/>
           </p:nvSpPr>
           <p:spPr>
-            <a:xfrm flipH="false" flipV="false" rot="0">
+            <a:xfrm>
               <a:off x="0" y="0"/>
               <a:ext cx="812800" cy="812800"/>
             </a:xfrm>
@@ -5902,9 +5916,9 @@
               <a:gdLst/>
               <a:ahLst/>
               <a:cxnLst/>
-              <a:rect r="r" b="b" t="t" l="l"/>
+              <a:rect l="l" t="t" r="r" b="b"/>
               <a:pathLst>
-                <a:path h="812800" w="812800">
+                <a:path w="812800" h="812800">
                   <a:moveTo>
                     <a:pt x="406400" y="0"/>
                   </a:moveTo>
@@ -5933,9 +5947,9 @@
               </a:pathLst>
             </a:custGeom>
             <a:blipFill>
-              <a:blip r:embed="rId3"/>
+              <a:blip r:embed="rId3" cstate="print"/>
               <a:stretch>
-                <a:fillRect l="-25136" t="0" r="-25136" b="0"/>
+                <a:fillRect l="-25136" r="-25136"/>
               </a:stretch>
             </a:blipFill>
           </p:spPr>
@@ -5943,12 +5957,12 @@
       </p:grpSp>
       <p:sp>
         <p:nvSpPr>
-          <p:cNvPr name="Freeform 11" id="11"/>
+          <p:cNvPr id="11" name="Freeform 11"/>
           <p:cNvSpPr/>
           <p:nvPr/>
         </p:nvSpPr>
         <p:spPr>
-          <a:xfrm flipH="false" flipV="false" rot="0">
+          <a:xfrm>
             <a:off x="-58130" y="9316594"/>
             <a:ext cx="18404260" cy="1940813"/>
           </a:xfrm>
@@ -5957,9 +5971,9 @@
             <a:gdLst/>
             <a:ahLst/>
             <a:cxnLst/>
-            <a:rect r="r" b="b" t="t" l="l"/>
+            <a:rect l="l" t="t" r="r" b="b"/>
             <a:pathLst>
-              <a:path h="1940813" w="18404260">
+              <a:path w="18404260" h="1940813">
                 <a:moveTo>
                   <a:pt x="0" y="0"/>
                 </a:moveTo>
@@ -5980,27 +5994,27 @@
             </a:pathLst>
           </a:custGeom>
           <a:blipFill>
-            <a:blip r:embed="rId4">
+            <a:blip r:embed="rId4" cstate="print">
               <a:extLst>
                 <a:ext uri="{96DAC541-7B7A-43D3-8B79-37D633B846F1}">
-                  <asvg:svgBlip xmlns:asvg="http://schemas.microsoft.com/office/drawing/2016/SVG/main" r:embed="rId5"/>
+                  <asvg:svgBlip xmlns:asvg="http://schemas.microsoft.com/office/drawing/2016/SVG/main" xmlns="" r:embed="rId5"/>
                 </a:ext>
               </a:extLst>
             </a:blip>
             <a:stretch>
-              <a:fillRect l="0" t="0" r="0" b="0"/>
+              <a:fillRect/>
             </a:stretch>
           </a:blipFill>
         </p:spPr>
       </p:sp>
       <p:sp>
         <p:nvSpPr>
-          <p:cNvPr name="Freeform 12" id="12"/>
+          <p:cNvPr id="12" name="Freeform 12"/>
           <p:cNvSpPr/>
           <p:nvPr/>
         </p:nvSpPr>
         <p:spPr>
-          <a:xfrm flipH="false" flipV="false" rot="0">
+          <a:xfrm>
             <a:off x="1028700" y="920766"/>
             <a:ext cx="906317" cy="215868"/>
           </a:xfrm>
@@ -6009,9 +6023,9 @@
             <a:gdLst/>
             <a:ahLst/>
             <a:cxnLst/>
-            <a:rect r="r" b="b" t="t" l="l"/>
+            <a:rect l="l" t="t" r="r" b="b"/>
             <a:pathLst>
-              <a:path h="215868" w="906317">
+              <a:path w="906317" h="215868">
                 <a:moveTo>
                   <a:pt x="0" y="0"/>
                 </a:moveTo>
@@ -6032,27 +6046,27 @@
             </a:pathLst>
           </a:custGeom>
           <a:blipFill>
-            <a:blip r:embed="rId6">
+            <a:blip r:embed="rId6" cstate="print">
               <a:extLst>
                 <a:ext uri="{96DAC541-7B7A-43D3-8B79-37D633B846F1}">
-                  <asvg:svgBlip xmlns:asvg="http://schemas.microsoft.com/office/drawing/2016/SVG/main" r:embed="rId7"/>
+                  <asvg:svgBlip xmlns:asvg="http://schemas.microsoft.com/office/drawing/2016/SVG/main" xmlns="" r:embed="rId7"/>
                 </a:ext>
               </a:extLst>
             </a:blip>
             <a:stretch>
-              <a:fillRect l="0" t="0" r="0" b="0"/>
+              <a:fillRect/>
             </a:stretch>
           </a:blipFill>
         </p:spPr>
       </p:sp>
       <p:sp>
         <p:nvSpPr>
-          <p:cNvPr name="TextBox 13" id="13"/>
-          <p:cNvSpPr txBox="true"/>
+          <p:cNvPr id="13" name="TextBox 13"/>
+          <p:cNvSpPr txBox="1"/>
           <p:nvPr/>
         </p:nvSpPr>
         <p:spPr>
-          <a:xfrm rot="0">
+          <a:xfrm>
             <a:off x="294025" y="1281327"/>
             <a:ext cx="7206473" cy="963295"/>
           </a:xfrm>
@@ -6061,7 +6075,7 @@
           </a:prstGeom>
         </p:spPr>
         <p:txBody>
-          <a:bodyPr anchor="t" rtlCol="false" tIns="0" lIns="0" bIns="0" rIns="0">
+          <a:bodyPr lIns="0" tIns="0" rIns="0" bIns="0" rtlCol="0" anchor="t">
             <a:spAutoFit/>
           </a:bodyPr>
           <a:lstStyle/>
@@ -6072,7 +6086,7 @@
               </a:lnSpc>
             </a:pPr>
             <a:r>
-              <a:rPr lang="en-US" b="true" sz="6999" spc="174">
+              <a:rPr lang="en-US" sz="6999" b="1" spc="174">
                 <a:solidFill>
                   <a:srgbClr val="000000"/>
                 </a:solidFill>
@@ -6088,12 +6102,12 @@
       </p:sp>
       <p:sp>
         <p:nvSpPr>
-          <p:cNvPr name="TextBox 14" id="14"/>
-          <p:cNvSpPr txBox="true"/>
+          <p:cNvPr id="14" name="TextBox 14"/>
+          <p:cNvSpPr txBox="1"/>
           <p:nvPr/>
         </p:nvSpPr>
         <p:spPr>
-          <a:xfrm rot="0">
+          <a:xfrm>
             <a:off x="1318663" y="3423639"/>
             <a:ext cx="8891913" cy="1057275"/>
           </a:xfrm>
@@ -6102,7 +6116,7 @@
           </a:prstGeom>
         </p:spPr>
         <p:txBody>
-          <a:bodyPr anchor="t" rtlCol="false" tIns="0" lIns="0" bIns="0" rIns="0">
+          <a:bodyPr lIns="0" tIns="0" rIns="0" bIns="0" rtlCol="0" anchor="t">
             <a:spAutoFit/>
           </a:bodyPr>
           <a:lstStyle/>
@@ -6129,12 +6143,12 @@
       </p:sp>
       <p:grpSp>
         <p:nvGrpSpPr>
-          <p:cNvPr name="Group 15" id="15"/>
+          <p:cNvPr id="15" name="Group 15"/>
           <p:cNvGrpSpPr/>
           <p:nvPr/>
         </p:nvGrpSpPr>
         <p:grpSpPr>
-          <a:xfrm rot="0">
+          <a:xfrm>
             <a:off x="912872" y="5621423"/>
             <a:ext cx="9490449" cy="1694814"/>
             <a:chOff x="0" y="0"/>
@@ -6143,12 +6157,12 @@
         </p:grpSpPr>
         <p:sp>
           <p:nvSpPr>
-            <p:cNvPr name="Freeform 16" id="16"/>
+            <p:cNvPr id="16" name="Freeform 16"/>
             <p:cNvSpPr/>
             <p:nvPr/>
           </p:nvSpPr>
           <p:spPr>
-            <a:xfrm flipH="false" flipV="false" rot="0">
+            <a:xfrm>
               <a:off x="2409" y="1655541"/>
               <a:ext cx="604211" cy="604211"/>
             </a:xfrm>
@@ -6157,9 +6171,9 @@
               <a:gdLst/>
               <a:ahLst/>
               <a:cxnLst/>
-              <a:rect r="r" b="b" t="t" l="l"/>
+              <a:rect l="l" t="t" r="r" b="b"/>
               <a:pathLst>
-                <a:path h="604211" w="604211">
+                <a:path w="604211" h="604211">
                   <a:moveTo>
                     <a:pt x="0" y="0"/>
                   </a:moveTo>
@@ -6180,27 +6194,27 @@
               </a:pathLst>
             </a:custGeom>
             <a:blipFill>
-              <a:blip r:embed="rId8">
+              <a:blip r:embed="rId8" cstate="print">
                 <a:extLst>
                   <a:ext uri="{96DAC541-7B7A-43D3-8B79-37D633B846F1}">
-                    <asvg:svgBlip xmlns:asvg="http://schemas.microsoft.com/office/drawing/2016/SVG/main" r:embed="rId9"/>
+                    <asvg:svgBlip xmlns:asvg="http://schemas.microsoft.com/office/drawing/2016/SVG/main" xmlns="" r:embed="rId9"/>
                   </a:ext>
                 </a:extLst>
               </a:blip>
               <a:stretch>
-                <a:fillRect l="0" t="0" r="0" b="0"/>
+                <a:fillRect/>
               </a:stretch>
             </a:blipFill>
           </p:spPr>
         </p:sp>
         <p:sp>
           <p:nvSpPr>
-            <p:cNvPr name="Freeform 17" id="17"/>
+            <p:cNvPr id="17" name="Freeform 17"/>
             <p:cNvSpPr/>
             <p:nvPr/>
           </p:nvSpPr>
           <p:spPr>
-            <a:xfrm flipH="false" flipV="false" rot="0">
+            <a:xfrm>
               <a:off x="2409" y="839026"/>
               <a:ext cx="604211" cy="604211"/>
             </a:xfrm>
@@ -6209,9 +6223,9 @@
               <a:gdLst/>
               <a:ahLst/>
               <a:cxnLst/>
-              <a:rect r="r" b="b" t="t" l="l"/>
+              <a:rect l="l" t="t" r="r" b="b"/>
               <a:pathLst>
-                <a:path h="604211" w="604211">
+                <a:path w="604211" h="604211">
                   <a:moveTo>
                     <a:pt x="0" y="0"/>
                   </a:moveTo>
@@ -6232,27 +6246,27 @@
               </a:pathLst>
             </a:custGeom>
             <a:blipFill>
-              <a:blip r:embed="rId10">
+              <a:blip r:embed="rId10" cstate="print">
                 <a:extLst>
                   <a:ext uri="{96DAC541-7B7A-43D3-8B79-37D633B846F1}">
-                    <asvg:svgBlip xmlns:asvg="http://schemas.microsoft.com/office/drawing/2016/SVG/main" r:embed="rId11"/>
+                    <asvg:svgBlip xmlns:asvg="http://schemas.microsoft.com/office/drawing/2016/SVG/main" xmlns="" r:embed="rId11"/>
                   </a:ext>
                 </a:extLst>
               </a:blip>
               <a:stretch>
-                <a:fillRect l="0" t="0" r="0" b="0"/>
+                <a:fillRect/>
               </a:stretch>
             </a:blipFill>
           </p:spPr>
         </p:sp>
         <p:sp>
           <p:nvSpPr>
-            <p:cNvPr name="Freeform 18" id="18"/>
+            <p:cNvPr id="18" name="Freeform 18"/>
             <p:cNvSpPr/>
             <p:nvPr/>
           </p:nvSpPr>
           <p:spPr>
-            <a:xfrm flipH="false" flipV="false" rot="0">
+            <a:xfrm>
               <a:off x="0" y="0"/>
               <a:ext cx="606620" cy="606620"/>
             </a:xfrm>
@@ -6261,9 +6275,9 @@
               <a:gdLst/>
               <a:ahLst/>
               <a:cxnLst/>
-              <a:rect r="r" b="b" t="t" l="l"/>
+              <a:rect l="l" t="t" r="r" b="b"/>
               <a:pathLst>
-                <a:path h="606620" w="606620">
+                <a:path w="606620" h="606620">
                   <a:moveTo>
                     <a:pt x="0" y="0"/>
                   </a:moveTo>
@@ -6284,27 +6298,27 @@
               </a:pathLst>
             </a:custGeom>
             <a:blipFill>
-              <a:blip r:embed="rId12">
+              <a:blip r:embed="rId12" cstate="print">
                 <a:extLst>
                   <a:ext uri="{96DAC541-7B7A-43D3-8B79-37D633B846F1}">
-                    <asvg:svgBlip xmlns:asvg="http://schemas.microsoft.com/office/drawing/2016/SVG/main" r:embed="rId13"/>
+                    <asvg:svgBlip xmlns:asvg="http://schemas.microsoft.com/office/drawing/2016/SVG/main" xmlns="" r:embed="rId13"/>
                   </a:ext>
                 </a:extLst>
               </a:blip>
               <a:stretch>
-                <a:fillRect l="0" t="0" r="0" b="0"/>
+                <a:fillRect/>
               </a:stretch>
             </a:blipFill>
           </p:spPr>
         </p:sp>
         <p:sp>
           <p:nvSpPr>
-            <p:cNvPr name="TextBox 19" id="19"/>
-            <p:cNvSpPr txBox="true"/>
+            <p:cNvPr id="19" name="TextBox 19"/>
+            <p:cNvSpPr txBox="1"/>
             <p:nvPr/>
           </p:nvSpPr>
           <p:spPr>
-            <a:xfrm rot="0">
+            <a:xfrm>
               <a:off x="798048" y="848633"/>
               <a:ext cx="11855883" cy="537372"/>
             </a:xfrm>
@@ -6313,7 +6327,7 @@
             </a:prstGeom>
           </p:spPr>
           <p:txBody>
-            <a:bodyPr anchor="t" rtlCol="false" tIns="0" lIns="0" bIns="0" rIns="0">
+            <a:bodyPr lIns="0" tIns="0" rIns="0" bIns="0" rtlCol="0" anchor="t">
               <a:spAutoFit/>
             </a:bodyPr>
             <a:lstStyle/>
@@ -6340,12 +6354,12 @@
         </p:sp>
         <p:sp>
           <p:nvSpPr>
-            <p:cNvPr name="TextBox 20" id="20"/>
-            <p:cNvSpPr txBox="true"/>
+            <p:cNvPr id="20" name="TextBox 20"/>
+            <p:cNvSpPr txBox="1"/>
             <p:nvPr/>
           </p:nvSpPr>
           <p:spPr>
-            <a:xfrm rot="0">
+            <a:xfrm>
               <a:off x="798048" y="1665148"/>
               <a:ext cx="11855883" cy="537372"/>
             </a:xfrm>
@@ -6354,7 +6368,7 @@
             </a:prstGeom>
           </p:spPr>
           <p:txBody>
-            <a:bodyPr anchor="t" rtlCol="false" tIns="0" lIns="0" bIns="0" rIns="0">
+            <a:bodyPr lIns="0" tIns="0" rIns="0" bIns="0" rtlCol="0" anchor="t">
               <a:spAutoFit/>
             </a:bodyPr>
             <a:lstStyle/>
@@ -6365,7 +6379,7 @@
                 </a:lnSpc>
               </a:pPr>
               <a:r>
-                <a:rPr lang="en-US" sz="2413" spc="60" u="sng">
+                <a:rPr lang="en-US" sz="2413" u="sng" spc="60">
                   <a:solidFill>
                     <a:srgbClr val="000000"/>
                   </a:solidFill>
@@ -6382,12 +6396,12 @@
         </p:sp>
         <p:sp>
           <p:nvSpPr>
-            <p:cNvPr name="TextBox 21" id="21"/>
-            <p:cNvSpPr txBox="true"/>
+            <p:cNvPr id="21" name="TextBox 21"/>
+            <p:cNvSpPr txBox="1"/>
             <p:nvPr/>
           </p:nvSpPr>
           <p:spPr>
-            <a:xfrm rot="0">
+            <a:xfrm>
               <a:off x="798048" y="10811"/>
               <a:ext cx="11855883" cy="537372"/>
             </a:xfrm>
@@ -6396,7 +6410,7 @@
             </a:prstGeom>
           </p:spPr>
           <p:txBody>
-            <a:bodyPr anchor="t" rtlCol="false" tIns="0" lIns="0" bIns="0" rIns="0">
+            <a:bodyPr lIns="0" tIns="0" rIns="0" bIns="0" rtlCol="0" anchor="t">
               <a:spAutoFit/>
             </a:bodyPr>
             <a:lstStyle/>
@@ -6431,13 +6445,14 @@
 </file>
 
 <file path=ppt/slides/slide7.xml><?xml version="1.0" encoding="utf-8"?>
-<p:sld xmlns:p="http://schemas.openxmlformats.org/presentationml/2006/main" xmlns:a="http://schemas.openxmlformats.org/drawingml/2006/main">
+<p:sld xmlns:a="http://schemas.openxmlformats.org/drawingml/2006/main" xmlns:r="http://schemas.openxmlformats.org/officeDocument/2006/relationships" xmlns:p="http://schemas.openxmlformats.org/presentationml/2006/main">
   <p:cSld>
     <p:bg>
       <p:bgPr>
         <a:solidFill>
           <a:srgbClr val="252525"/>
         </a:solidFill>
+        <a:effectLst/>
       </p:bgPr>
     </p:bg>
     <p:spTree>
@@ -6456,12 +6471,12 @@
       </p:grpSpPr>
       <p:sp>
         <p:nvSpPr>
-          <p:cNvPr name="TextBox 2" id="2"/>
-          <p:cNvSpPr txBox="true"/>
+          <p:cNvPr id="2" name="TextBox 2"/>
+          <p:cNvSpPr txBox="1"/>
           <p:nvPr/>
         </p:nvSpPr>
         <p:spPr>
-          <a:xfrm rot="0">
+          <a:xfrm>
             <a:off x="3415980" y="4324754"/>
             <a:ext cx="11456041" cy="1626480"/>
           </a:xfrm>
@@ -6470,7 +6485,7 @@
           </a:prstGeom>
         </p:spPr>
         <p:txBody>
-          <a:bodyPr anchor="t" rtlCol="false" tIns="0" lIns="0" bIns="0" rIns="0">
+          <a:bodyPr lIns="0" tIns="0" rIns="0" bIns="0" rtlCol="0" anchor="t">
             <a:spAutoFit/>
           </a:bodyPr>
           <a:lstStyle/>
@@ -6497,7 +6512,7 @@
       </p:sp>
       <p:sp>
         <p:nvSpPr>
-          <p:cNvPr name="AutoShape 3" id="3"/>
+          <p:cNvPr id="3" name="AutoShape 3"/>
           <p:cNvSpPr/>
           <p:nvPr/>
         </p:nvSpPr>
@@ -6509,19 +6524,19 @@
           <a:prstGeom prst="line">
             <a:avLst/>
           </a:prstGeom>
-          <a:ln cap="flat" w="28575">
+          <a:ln w="28575" cap="flat">
             <a:solidFill>
               <a:srgbClr val="FFFFFF"/>
             </a:solidFill>
             <a:prstDash val="solid"/>
-            <a:headEnd type="oval" len="lg" w="lg"/>
-            <a:tailEnd type="oval" len="lg" w="lg"/>
+            <a:headEnd type="oval" w="lg" len="lg"/>
+            <a:tailEnd type="oval" w="lg" len="lg"/>
           </a:ln>
         </p:spPr>
       </p:sp>
       <p:sp>
         <p:nvSpPr>
-          <p:cNvPr name="AutoShape 4" id="4"/>
+          <p:cNvPr id="4" name="AutoShape 4"/>
           <p:cNvSpPr/>
           <p:nvPr/>
         </p:nvSpPr>
@@ -6533,13 +6548,13 @@
           <a:prstGeom prst="line">
             <a:avLst/>
           </a:prstGeom>
-          <a:ln cap="flat" w="28575">
+          <a:ln w="28575" cap="flat">
             <a:solidFill>
               <a:srgbClr val="FFFFFF"/>
             </a:solidFill>
             <a:prstDash val="solid"/>
-            <a:headEnd type="oval" len="lg" w="lg"/>
-            <a:tailEnd type="oval" len="lg" w="lg"/>
+            <a:headEnd type="oval" w="lg" len="lg"/>
+            <a:tailEnd type="oval" w="lg" len="lg"/>
           </a:ln>
         </p:spPr>
       </p:sp>
